--- a/4. Flexbox&Grid/Flexbox&Grid.pptx
+++ b/4. Flexbox&Grid/Flexbox&Grid.pptx
@@ -33,7 +33,8 @@
     <p:sldId id="369" r:id="rId27"/>
     <p:sldId id="371" r:id="rId28"/>
     <p:sldId id="372" r:id="rId29"/>
-    <p:sldId id="292" r:id="rId30"/>
+    <p:sldId id="373" r:id="rId30"/>
+    <p:sldId id="292" r:id="rId31"/>
   </p:sldIdLst>
   <p:sldSz cx="12192000" cy="6858000"/>
   <p:notesSz cx="6858000" cy="9144000"/>
@@ -3500,7 +3501,7 @@
                 <a16:creationId xmlns:a16="http://schemas.microsoft.com/office/drawing/2014/main" id="{BE229233-9672-4675-99B7-6CBCEF1CD415}"/>
               </a:ext>
               <a:ext uri="{C183D7F6-B498-43B3-948B-1728B52AA6E4}">
-                <adec:decorative xmlns="" xmlns:adec="http://schemas.microsoft.com/office/drawing/2017/decorative" val="1"/>
+                <adec:decorative xmlns:adec="http://schemas.microsoft.com/office/drawing/2017/decorative" xmlns="" val="1"/>
               </a:ext>
             </a:extLst>
           </p:cNvPr>
@@ -3595,7 +3596,7 @@
                 <a16:creationId xmlns:a16="http://schemas.microsoft.com/office/drawing/2014/main" id="{EC5FF010-B53C-46BE-BEEF-AF926A00F67F}"/>
               </a:ext>
               <a:ext uri="{C183D7F6-B498-43B3-948B-1728B52AA6E4}">
-                <adec:decorative xmlns="" xmlns:adec="http://schemas.microsoft.com/office/drawing/2017/decorative" val="1"/>
+                <adec:decorative xmlns:adec="http://schemas.microsoft.com/office/drawing/2017/decorative" xmlns="" val="1"/>
               </a:ext>
             </a:extLst>
           </p:cNvPr>
@@ -3661,7 +3662,7 @@
                 <a16:creationId xmlns:a16="http://schemas.microsoft.com/office/drawing/2014/main" id="{8509AD9C-1F43-4138-A72B-8CA988EDD475}"/>
               </a:ext>
               <a:ext uri="{C183D7F6-B498-43B3-948B-1728B52AA6E4}">
-                <adec:decorative xmlns="" xmlns:adec="http://schemas.microsoft.com/office/drawing/2017/decorative" val="1"/>
+                <adec:decorative xmlns:adec="http://schemas.microsoft.com/office/drawing/2017/decorative" xmlns="" val="1"/>
               </a:ext>
             </a:extLst>
           </p:cNvPr>
@@ -3824,6 +3825,13 @@
   <p:clrMapOvr>
     <a:masterClrMapping/>
   </p:clrMapOvr>
+  <p:timing>
+    <p:tnLst>
+      <p:par>
+        <p:cTn id="1" dur="indefinite" restart="never" nodeType="tmRoot"/>
+      </p:par>
+    </p:tnLst>
+  </p:timing>
 </p:sld>
 </file>
 
@@ -12927,88 +12935,94 @@
       </p:grpSpPr>
       <p:sp>
         <p:nvSpPr>
-          <p:cNvPr id="6" name="Titel 5">
-            <a:extLst>
-              <a:ext uri="{FF2B5EF4-FFF2-40B4-BE49-F238E27FC236}">
-                <a16:creationId xmlns:a16="http://schemas.microsoft.com/office/drawing/2014/main" id="{215C6C17-3994-268F-CD9B-1F627A31A4B8}"/>
-              </a:ext>
-            </a:extLst>
-          </p:cNvPr>
+          <p:cNvPr id="2" name="Titel 1"/>
           <p:cNvSpPr>
             <a:spLocks noGrp="1"/>
           </p:cNvSpPr>
           <p:nvPr>
-            <p:ph type="ctrTitle"/>
+            <p:ph type="title"/>
           </p:nvPr>
         </p:nvSpPr>
-        <p:spPr>
-          <a:xfrm>
-            <a:off x="2032213" y="370652"/>
-            <a:ext cx="8127574" cy="2736443"/>
-          </a:xfrm>
-        </p:spPr>
+        <p:spPr/>
         <p:txBody>
           <a:bodyPr/>
           <a:lstStyle/>
           <a:p>
             <a:r>
-              <a:rPr lang="de-AT" dirty="0"/>
-              <a:t>Viel Erfolg beim Entwickeln!</a:t>
-            </a:r>
+              <a:rPr lang="de-AT" dirty="0" smtClean="0"/>
+              <a:t>CSS </a:t>
+            </a:r>
+            <a:r>
+              <a:rPr lang="de-AT" dirty="0" err="1" smtClean="0"/>
+              <a:t>Grid</a:t>
+            </a:r>
+            <a:r>
+              <a:rPr lang="de-AT" dirty="0" smtClean="0"/>
+              <a:t> Übung Schachbrett</a:t>
+            </a:r>
+            <a:endParaRPr lang="en-US" dirty="0"/>
+          </a:p>
+        </p:txBody>
+      </p:sp>
+      <p:sp>
+        <p:nvSpPr>
+          <p:cNvPr id="3" name="Inhaltsplatzhalter 2"/>
+          <p:cNvSpPr>
+            <a:spLocks noGrp="1"/>
+          </p:cNvSpPr>
+          <p:nvPr>
+            <p:ph idx="1"/>
+          </p:nvPr>
+        </p:nvSpPr>
+        <p:spPr/>
+        <p:txBody>
+          <a:bodyPr/>
+          <a:lstStyle/>
+          <a:p>
+            <a:r>
+              <a:rPr lang="de-AT" dirty="0" smtClean="0"/>
+              <a:t>Ressourcen: CSS/Schachbrett</a:t>
+            </a:r>
+          </a:p>
+          <a:p>
+            <a:r>
+              <a:rPr lang="de-AT" dirty="0" smtClean="0"/>
+              <a:t>Schreibe CSS Code um ein Schachbrett erscheinen zu lassen</a:t>
+            </a:r>
+          </a:p>
+          <a:p>
+            <a:endParaRPr lang="en-US" dirty="0"/>
           </a:p>
         </p:txBody>
       </p:sp>
       <p:pic>
         <p:nvPicPr>
-          <p:cNvPr id="2050" name="Picture 2" descr="CODERS.BAY | Linz">
-            <a:extLst>
-              <a:ext uri="{FF2B5EF4-FFF2-40B4-BE49-F238E27FC236}">
-                <a16:creationId xmlns:a16="http://schemas.microsoft.com/office/drawing/2014/main" id="{FC92A2D7-CD40-5160-E3FA-7A115A1ECE63}"/>
-              </a:ext>
-            </a:extLst>
-          </p:cNvPr>
+          <p:cNvPr id="4" name="Grafik 3"/>
           <p:cNvPicPr>
-            <a:picLocks noChangeAspect="1" noChangeArrowheads="1"/>
+            <a:picLocks noChangeAspect="1"/>
           </p:cNvPicPr>
           <p:nvPr/>
         </p:nvPicPr>
         <p:blipFill>
-          <a:blip r:embed="rId2">
-            <a:extLst>
-              <a:ext uri="{28A0092B-C50C-407E-A947-70E740481C1C}">
-                <a14:useLocalDpi xmlns:a14="http://schemas.microsoft.com/office/drawing/2010/main" val="0"/>
-              </a:ext>
-            </a:extLst>
-          </a:blip>
-          <a:srcRect/>
+          <a:blip r:embed="rId2"/>
           <a:stretch>
             <a:fillRect/>
           </a:stretch>
         </p:blipFill>
-        <p:spPr bwMode="auto">
+        <p:spPr>
           <a:xfrm>
-            <a:off x="5342119" y="3768185"/>
-            <a:ext cx="1507761" cy="1507761"/>
+            <a:off x="4541385" y="3199680"/>
+            <a:ext cx="3109229" cy="3078747"/>
           </a:xfrm>
           <a:prstGeom prst="rect">
             <a:avLst/>
           </a:prstGeom>
-          <a:noFill/>
-          <a:extLst>
-            <a:ext uri="{909E8E84-426E-40DD-AFC4-6F175D3DCCD1}">
-              <a14:hiddenFill xmlns:a14="http://schemas.microsoft.com/office/drawing/2010/main">
-                <a:solidFill>
-                  <a:srgbClr val="FFFFFF"/>
-                </a:solidFill>
-              </a14:hiddenFill>
-            </a:ext>
-          </a:extLst>
         </p:spPr>
       </p:pic>
     </p:spTree>
     <p:extLst>
       <p:ext uri="{BB962C8B-B14F-4D97-AF65-F5344CB8AC3E}">
-        <p14:creationId xmlns:p14="http://schemas.microsoft.com/office/powerpoint/2010/main" val="2872145444"/>
+        <p14:creationId xmlns:p14="http://schemas.microsoft.com/office/powerpoint/2010/main" val="1696150498"/>
       </p:ext>
     </p:extLst>
   </p:cSld>
@@ -13813,6 +13827,116 @@
 </p:sld>
 </file>
 
+<file path=ppt/slides/slide30.xml><?xml version="1.0" encoding="utf-8"?>
+<p:sld xmlns:a="http://schemas.openxmlformats.org/drawingml/2006/main" xmlns:r="http://schemas.openxmlformats.org/officeDocument/2006/relationships" xmlns:p="http://schemas.openxmlformats.org/presentationml/2006/main">
+  <p:cSld>
+    <p:spTree>
+      <p:nvGrpSpPr>
+        <p:cNvPr id="1" name=""/>
+        <p:cNvGrpSpPr/>
+        <p:nvPr/>
+      </p:nvGrpSpPr>
+      <p:grpSpPr>
+        <a:xfrm>
+          <a:off x="0" y="0"/>
+          <a:ext cx="0" cy="0"/>
+          <a:chOff x="0" y="0"/>
+          <a:chExt cx="0" cy="0"/>
+        </a:xfrm>
+      </p:grpSpPr>
+      <p:sp>
+        <p:nvSpPr>
+          <p:cNvPr id="6" name="Titel 5">
+            <a:extLst>
+              <a:ext uri="{FF2B5EF4-FFF2-40B4-BE49-F238E27FC236}">
+                <a16:creationId xmlns:a16="http://schemas.microsoft.com/office/drawing/2014/main" id="{215C6C17-3994-268F-CD9B-1F627A31A4B8}"/>
+              </a:ext>
+            </a:extLst>
+          </p:cNvPr>
+          <p:cNvSpPr>
+            <a:spLocks noGrp="1"/>
+          </p:cNvSpPr>
+          <p:nvPr>
+            <p:ph type="ctrTitle"/>
+          </p:nvPr>
+        </p:nvSpPr>
+        <p:spPr>
+          <a:xfrm>
+            <a:off x="2032213" y="370652"/>
+            <a:ext cx="8127574" cy="2736443"/>
+          </a:xfrm>
+        </p:spPr>
+        <p:txBody>
+          <a:bodyPr/>
+          <a:lstStyle/>
+          <a:p>
+            <a:r>
+              <a:rPr lang="de-AT" dirty="0"/>
+              <a:t>Viel Erfolg beim Entwickeln!</a:t>
+            </a:r>
+          </a:p>
+        </p:txBody>
+      </p:sp>
+      <p:pic>
+        <p:nvPicPr>
+          <p:cNvPr id="2050" name="Picture 2" descr="CODERS.BAY | Linz">
+            <a:extLst>
+              <a:ext uri="{FF2B5EF4-FFF2-40B4-BE49-F238E27FC236}">
+                <a16:creationId xmlns:a16="http://schemas.microsoft.com/office/drawing/2014/main" id="{FC92A2D7-CD40-5160-E3FA-7A115A1ECE63}"/>
+              </a:ext>
+            </a:extLst>
+          </p:cNvPr>
+          <p:cNvPicPr>
+            <a:picLocks noChangeAspect="1" noChangeArrowheads="1"/>
+          </p:cNvPicPr>
+          <p:nvPr/>
+        </p:nvPicPr>
+        <p:blipFill>
+          <a:blip r:embed="rId2">
+            <a:extLst>
+              <a:ext uri="{28A0092B-C50C-407E-A947-70E740481C1C}">
+                <a14:useLocalDpi xmlns:a14="http://schemas.microsoft.com/office/drawing/2010/main" val="0"/>
+              </a:ext>
+            </a:extLst>
+          </a:blip>
+          <a:srcRect/>
+          <a:stretch>
+            <a:fillRect/>
+          </a:stretch>
+        </p:blipFill>
+        <p:spPr bwMode="auto">
+          <a:xfrm>
+            <a:off x="5342119" y="3768185"/>
+            <a:ext cx="1507761" cy="1507761"/>
+          </a:xfrm>
+          <a:prstGeom prst="rect">
+            <a:avLst/>
+          </a:prstGeom>
+          <a:noFill/>
+          <a:extLst>
+            <a:ext uri="{909E8E84-426E-40DD-AFC4-6F175D3DCCD1}">
+              <a14:hiddenFill xmlns:a14="http://schemas.microsoft.com/office/drawing/2010/main">
+                <a:solidFill>
+                  <a:srgbClr val="FFFFFF"/>
+                </a:solidFill>
+              </a14:hiddenFill>
+            </a:ext>
+          </a:extLst>
+        </p:spPr>
+      </p:pic>
+    </p:spTree>
+    <p:extLst>
+      <p:ext uri="{BB962C8B-B14F-4D97-AF65-F5344CB8AC3E}">
+        <p14:creationId xmlns:p14="http://schemas.microsoft.com/office/powerpoint/2010/main" val="2872145444"/>
+      </p:ext>
+    </p:extLst>
+  </p:cSld>
+  <p:clrMapOvr>
+    <a:masterClrMapping/>
+  </p:clrMapOvr>
+</p:sld>
+</file>
+
 <file path=ppt/slides/slide4.xml><?xml version="1.0" encoding="utf-8"?>
 <p:sld xmlns:a="http://schemas.openxmlformats.org/drawingml/2006/main" xmlns:r="http://schemas.openxmlformats.org/officeDocument/2006/relationships" xmlns:p="http://schemas.openxmlformats.org/presentationml/2006/main">
   <p:cSld>
@@ -13969,6 +14093,13 @@
   <p:clrMapOvr>
     <a:masterClrMapping/>
   </p:clrMapOvr>
+  <p:timing>
+    <p:tnLst>
+      <p:par>
+        <p:cTn id="1" dur="indefinite" restart="never" nodeType="tmRoot"/>
+      </p:par>
+    </p:tnLst>
+  </p:timing>
 </p:sld>
 </file>
 
@@ -14101,6 +14232,13 @@
   <p:clrMapOvr>
     <a:masterClrMapping/>
   </p:clrMapOvr>
+  <p:timing>
+    <p:tnLst>
+      <p:par>
+        <p:cTn id="1" dur="indefinite" restart="never" nodeType="tmRoot"/>
+      </p:par>
+    </p:tnLst>
+  </p:timing>
 </p:sld>
 </file>
 

--- a/4. Flexbox&Grid/Flexbox&Grid.pptx
+++ b/4. Flexbox&Grid/Flexbox&Grid.pptx
@@ -20,20 +20,12 @@
     <p:sldId id="355" r:id="rId14"/>
     <p:sldId id="356" r:id="rId15"/>
     <p:sldId id="366" r:id="rId16"/>
-    <p:sldId id="357" r:id="rId17"/>
-    <p:sldId id="358" r:id="rId18"/>
-    <p:sldId id="359" r:id="rId19"/>
-    <p:sldId id="360" r:id="rId20"/>
-    <p:sldId id="361" r:id="rId21"/>
-    <p:sldId id="362" r:id="rId22"/>
-    <p:sldId id="365" r:id="rId23"/>
-    <p:sldId id="331" r:id="rId24"/>
-    <p:sldId id="367" r:id="rId25"/>
-    <p:sldId id="368" r:id="rId26"/>
-    <p:sldId id="369" r:id="rId27"/>
-    <p:sldId id="371" r:id="rId28"/>
-    <p:sldId id="372" r:id="rId29"/>
-    <p:sldId id="292" r:id="rId30"/>
+    <p:sldId id="367" r:id="rId17"/>
+    <p:sldId id="368" r:id="rId18"/>
+    <p:sldId id="369" r:id="rId19"/>
+    <p:sldId id="371" r:id="rId20"/>
+    <p:sldId id="372" r:id="rId21"/>
+    <p:sldId id="292" r:id="rId22"/>
   </p:sldIdLst>
   <p:sldSz cx="12192000" cy="6858000"/>
   <p:notesSz cx="6858000" cy="9144000"/>
@@ -138,6 +130,76 @@
     </p:ext>
   </p:extLst>
 </p:presentation>
+</file>
+
+<file path=ppt/changesInfos/changesInfo1.xml><?xml version="1.0" encoding="utf-8"?>
+<pc:chgInfo xmlns:a="http://schemas.openxmlformats.org/drawingml/2006/main" xmlns:r="http://schemas.openxmlformats.org/officeDocument/2006/relationships" xmlns:ac="http://schemas.microsoft.com/office/drawing/2013/main/command" xmlns:pc="http://schemas.microsoft.com/office/powerpoint/2013/main/command">
+  <pc:docChgLst>
+    <pc:chgData name="Mario Brandl" userId="5aecd81935f302f3" providerId="LiveId" clId="{737CEF5D-91C8-4AE7-90F6-FA941322B955}"/>
+    <pc:docChg chg="delSld">
+      <pc:chgData name="Mario Brandl" userId="5aecd81935f302f3" providerId="LiveId" clId="{737CEF5D-91C8-4AE7-90F6-FA941322B955}" dt="2023-10-10T17:30:12.654" v="7" actId="47"/>
+      <pc:docMkLst>
+        <pc:docMk/>
+      </pc:docMkLst>
+      <pc:sldChg chg="del">
+        <pc:chgData name="Mario Brandl" userId="5aecd81935f302f3" providerId="LiveId" clId="{737CEF5D-91C8-4AE7-90F6-FA941322B955}" dt="2023-10-10T17:30:12.654" v="7" actId="47"/>
+        <pc:sldMkLst>
+          <pc:docMk/>
+          <pc:sldMk cId="1808474136" sldId="331"/>
+        </pc:sldMkLst>
+      </pc:sldChg>
+      <pc:sldChg chg="del">
+        <pc:chgData name="Mario Brandl" userId="5aecd81935f302f3" providerId="LiveId" clId="{737CEF5D-91C8-4AE7-90F6-FA941322B955}" dt="2023-10-10T17:30:11.983" v="0" actId="47"/>
+        <pc:sldMkLst>
+          <pc:docMk/>
+          <pc:sldMk cId="3680305121" sldId="357"/>
+        </pc:sldMkLst>
+      </pc:sldChg>
+      <pc:sldChg chg="del">
+        <pc:chgData name="Mario Brandl" userId="5aecd81935f302f3" providerId="LiveId" clId="{737CEF5D-91C8-4AE7-90F6-FA941322B955}" dt="2023-10-10T17:30:12.461" v="1" actId="47"/>
+        <pc:sldMkLst>
+          <pc:docMk/>
+          <pc:sldMk cId="2034296172" sldId="358"/>
+        </pc:sldMkLst>
+      </pc:sldChg>
+      <pc:sldChg chg="del">
+        <pc:chgData name="Mario Brandl" userId="5aecd81935f302f3" providerId="LiveId" clId="{737CEF5D-91C8-4AE7-90F6-FA941322B955}" dt="2023-10-10T17:30:12.491" v="2" actId="47"/>
+        <pc:sldMkLst>
+          <pc:docMk/>
+          <pc:sldMk cId="1304034697" sldId="359"/>
+        </pc:sldMkLst>
+      </pc:sldChg>
+      <pc:sldChg chg="del">
+        <pc:chgData name="Mario Brandl" userId="5aecd81935f302f3" providerId="LiveId" clId="{737CEF5D-91C8-4AE7-90F6-FA941322B955}" dt="2023-10-10T17:30:12.526" v="3" actId="47"/>
+        <pc:sldMkLst>
+          <pc:docMk/>
+          <pc:sldMk cId="2096363264" sldId="360"/>
+        </pc:sldMkLst>
+      </pc:sldChg>
+      <pc:sldChg chg="del">
+        <pc:chgData name="Mario Brandl" userId="5aecd81935f302f3" providerId="LiveId" clId="{737CEF5D-91C8-4AE7-90F6-FA941322B955}" dt="2023-10-10T17:30:12.552" v="4" actId="47"/>
+        <pc:sldMkLst>
+          <pc:docMk/>
+          <pc:sldMk cId="1293383277" sldId="361"/>
+        </pc:sldMkLst>
+      </pc:sldChg>
+      <pc:sldChg chg="del">
+        <pc:chgData name="Mario Brandl" userId="5aecd81935f302f3" providerId="LiveId" clId="{737CEF5D-91C8-4AE7-90F6-FA941322B955}" dt="2023-10-10T17:30:12.579" v="5" actId="47"/>
+        <pc:sldMkLst>
+          <pc:docMk/>
+          <pc:sldMk cId="3173724530" sldId="362"/>
+        </pc:sldMkLst>
+      </pc:sldChg>
+      <pc:sldChg chg="del">
+        <pc:chgData name="Mario Brandl" userId="5aecd81935f302f3" providerId="LiveId" clId="{737CEF5D-91C8-4AE7-90F6-FA941322B955}" dt="2023-10-10T17:30:12.621" v="6" actId="47"/>
+        <pc:sldMkLst>
+          <pc:docMk/>
+          <pc:sldMk cId="2437503252" sldId="365"/>
+        </pc:sldMkLst>
+      </pc:sldChg>
+    </pc:docChg>
+  </pc:docChgLst>
+</pc:chgInfo>
 </file>
 
 <file path=ppt/slideLayouts/slideLayout1.xml><?xml version="1.0" encoding="utf-8"?>
@@ -3500,7 +3562,7 @@
                 <a16:creationId xmlns:a16="http://schemas.microsoft.com/office/drawing/2014/main" id="{BE229233-9672-4675-99B7-6CBCEF1CD415}"/>
               </a:ext>
               <a:ext uri="{C183D7F6-B498-43B3-948B-1728B52AA6E4}">
-                <adec:decorative xmlns="" xmlns:adec="http://schemas.microsoft.com/office/drawing/2017/decorative" val="1"/>
+                <adec:decorative xmlns:adec="http://schemas.microsoft.com/office/drawing/2017/decorative" val="1"/>
               </a:ext>
             </a:extLst>
           </p:cNvPr>
@@ -3595,7 +3657,7 @@
                 <a16:creationId xmlns:a16="http://schemas.microsoft.com/office/drawing/2014/main" id="{EC5FF010-B53C-46BE-BEEF-AF926A00F67F}"/>
               </a:ext>
               <a:ext uri="{C183D7F6-B498-43B3-948B-1728B52AA6E4}">
-                <adec:decorative xmlns="" xmlns:adec="http://schemas.microsoft.com/office/drawing/2017/decorative" val="1"/>
+                <adec:decorative xmlns:adec="http://schemas.microsoft.com/office/drawing/2017/decorative" val="1"/>
               </a:ext>
             </a:extLst>
           </p:cNvPr>
@@ -3661,7 +3723,7 @@
                 <a16:creationId xmlns:a16="http://schemas.microsoft.com/office/drawing/2014/main" id="{8509AD9C-1F43-4138-A72B-8CA988EDD475}"/>
               </a:ext>
               <a:ext uri="{C183D7F6-B498-43B3-948B-1728B52AA6E4}">
-                <adec:decorative xmlns="" xmlns:adec="http://schemas.microsoft.com/office/drawing/2017/decorative" val="1"/>
+                <adec:decorative xmlns:adec="http://schemas.microsoft.com/office/drawing/2017/decorative" val="1"/>
               </a:ext>
             </a:extLst>
           </p:cNvPr>
@@ -3752,15 +3814,15 @@
               <a:t>CSS – </a:t>
             </a:r>
             <a:r>
-              <a:rPr lang="de-AT" sz="3200" dirty="0" err="1" smtClean="0"/>
+              <a:rPr lang="de-AT" sz="3200" dirty="0" err="1"/>
               <a:t>Flexbox</a:t>
             </a:r>
             <a:r>
-              <a:rPr lang="de-AT" sz="3200" dirty="0" smtClean="0"/>
+              <a:rPr lang="de-AT" sz="3200" dirty="0"/>
               <a:t> &amp; </a:t>
             </a:r>
             <a:r>
-              <a:rPr lang="de-AT" sz="3200" dirty="0" err="1" smtClean="0"/>
+              <a:rPr lang="de-AT" sz="3200" dirty="0" err="1"/>
               <a:t>Grid</a:t>
             </a:r>
             <a:endParaRPr lang="de-AT" sz="3200" dirty="0"/>
@@ -5508,10 +5570,6 @@
               <a:rPr lang="de-AT" sz="1900" dirty="0"/>
               <a:t>-reverse" gesetzt ist. In einzeiligen Containern hat sie keine Wirkung</a:t>
             </a:r>
-            <a:r>
-              <a:rPr lang="de-AT" sz="1600" dirty="0"/>
-              <a:t/>
-            </a:r>
             <a:br>
               <a:rPr lang="de-AT" sz="1600" dirty="0"/>
             </a:br>
@@ -6753,3602 +6811,6 @@
 </file>
 
 <file path=ppt/slides/slide16.xml><?xml version="1.0" encoding="utf-8"?>
-<p:sld xmlns:a="http://schemas.openxmlformats.org/drawingml/2006/main" xmlns:r="http://schemas.openxmlformats.org/officeDocument/2006/relationships" xmlns:p="http://schemas.openxmlformats.org/presentationml/2006/main">
-  <p:cSld>
-    <p:spTree>
-      <p:nvGrpSpPr>
-        <p:cNvPr id="1" name=""/>
-        <p:cNvGrpSpPr/>
-        <p:nvPr/>
-      </p:nvGrpSpPr>
-      <p:grpSpPr>
-        <a:xfrm>
-          <a:off x="0" y="0"/>
-          <a:ext cx="0" cy="0"/>
-          <a:chOff x="0" y="0"/>
-          <a:chExt cx="0" cy="0"/>
-        </a:xfrm>
-      </p:grpSpPr>
-      <p:sp>
-        <p:nvSpPr>
-          <p:cNvPr id="2" name="Titel 1"/>
-          <p:cNvSpPr>
-            <a:spLocks noGrp="1"/>
-          </p:cNvSpPr>
-          <p:nvPr>
-            <p:ph type="title"/>
-          </p:nvPr>
-        </p:nvSpPr>
-        <p:spPr/>
-        <p:txBody>
-          <a:bodyPr/>
-          <a:lstStyle/>
-          <a:p>
-            <a:r>
-              <a:rPr lang="de-AT" dirty="0"/>
-              <a:t>CSS </a:t>
-            </a:r>
-            <a:r>
-              <a:rPr lang="de-AT" dirty="0" err="1"/>
-              <a:t>Flexbox</a:t>
-            </a:r>
-            <a:r>
-              <a:rPr lang="de-AT" dirty="0"/>
-              <a:t>: </a:t>
-            </a:r>
-            <a:r>
-              <a:rPr lang="de-AT" dirty="0" err="1"/>
-              <a:t>order</a:t>
-            </a:r>
-            <a:endParaRPr lang="en-US" dirty="0"/>
-          </a:p>
-        </p:txBody>
-      </p:sp>
-      <p:sp>
-        <p:nvSpPr>
-          <p:cNvPr id="3" name="Inhaltsplatzhalter 2"/>
-          <p:cNvSpPr>
-            <a:spLocks noGrp="1"/>
-          </p:cNvSpPr>
-          <p:nvPr>
-            <p:ph idx="1"/>
-          </p:nvPr>
-        </p:nvSpPr>
-        <p:spPr>
-          <a:xfrm>
-            <a:off x="1181100" y="1934308"/>
-            <a:ext cx="5729969" cy="4137259"/>
-          </a:xfrm>
-        </p:spPr>
-        <p:txBody>
-          <a:bodyPr>
-            <a:normAutofit/>
-          </a:bodyPr>
-          <a:lstStyle/>
-          <a:p>
-            <a:r>
-              <a:rPr lang="de-DE" dirty="0"/>
-              <a:t>Das Modul für das flexible Box-Layout erleichtert die Gestaltung flexibler, reaktionsfähiger Layoutstrukturen.</a:t>
-            </a:r>
-          </a:p>
-          <a:p>
-            <a:r>
-              <a:rPr lang="de-AT" dirty="0"/>
-              <a:t>Wird verwendet, um die Reihenfolge der </a:t>
-            </a:r>
-            <a:r>
-              <a:rPr lang="de-AT" dirty="0" err="1"/>
-              <a:t>Flexelemente</a:t>
-            </a:r>
-            <a:r>
-              <a:rPr lang="de-AT" dirty="0"/>
-              <a:t> unabhängig von ihrer ursprünglichen Reihenfolge im HTML-Code zu ändern. Elemente mit niedrigerer order-Wertung erscheinen zuerst, gefolgt von Elementen mit höherer Wertung.</a:t>
-            </a:r>
-            <a:endParaRPr lang="de-DE" dirty="0"/>
-          </a:p>
-        </p:txBody>
-      </p:sp>
-      <p:pic>
-        <p:nvPicPr>
-          <p:cNvPr id="5" name="Grafik 4">
-            <a:extLst>
-              <a:ext uri="{FF2B5EF4-FFF2-40B4-BE49-F238E27FC236}">
-                <a16:creationId xmlns:a16="http://schemas.microsoft.com/office/drawing/2014/main" id="{3ED6B717-615B-98D2-EBE7-9FBD909F53A8}"/>
-              </a:ext>
-            </a:extLst>
-          </p:cNvPr>
-          <p:cNvPicPr>
-            <a:picLocks noChangeAspect="1"/>
-          </p:cNvPicPr>
-          <p:nvPr/>
-        </p:nvPicPr>
-        <p:blipFill>
-          <a:blip r:embed="rId2"/>
-          <a:stretch>
-            <a:fillRect/>
-          </a:stretch>
-        </p:blipFill>
-        <p:spPr>
-          <a:xfrm>
-            <a:off x="7833311" y="1075764"/>
-            <a:ext cx="3775872" cy="1546743"/>
-          </a:xfrm>
-          <a:prstGeom prst="rect">
-            <a:avLst/>
-          </a:prstGeom>
-        </p:spPr>
-      </p:pic>
-      <p:pic>
-        <p:nvPicPr>
-          <p:cNvPr id="7" name="Grafik 6">
-            <a:extLst>
-              <a:ext uri="{FF2B5EF4-FFF2-40B4-BE49-F238E27FC236}">
-                <a16:creationId xmlns:a16="http://schemas.microsoft.com/office/drawing/2014/main" id="{FADEBE4A-4F4C-B76D-A806-6189FBA3F4FE}"/>
-              </a:ext>
-            </a:extLst>
-          </p:cNvPr>
-          <p:cNvPicPr>
-            <a:picLocks noChangeAspect="1"/>
-          </p:cNvPicPr>
-          <p:nvPr/>
-        </p:nvPicPr>
-        <p:blipFill>
-          <a:blip r:embed="rId3"/>
-          <a:stretch>
-            <a:fillRect/>
-          </a:stretch>
-        </p:blipFill>
-        <p:spPr>
-          <a:xfrm>
-            <a:off x="7992218" y="2797018"/>
-            <a:ext cx="3458058" cy="2876951"/>
-          </a:xfrm>
-          <a:prstGeom prst="rect">
-            <a:avLst/>
-          </a:prstGeom>
-        </p:spPr>
-      </p:pic>
-    </p:spTree>
-    <p:extLst>
-      <p:ext uri="{BB962C8B-B14F-4D97-AF65-F5344CB8AC3E}">
-        <p14:creationId xmlns:p14="http://schemas.microsoft.com/office/powerpoint/2010/main" val="3680305121"/>
-      </p:ext>
-    </p:extLst>
-  </p:cSld>
-  <p:clrMapOvr>
-    <a:masterClrMapping/>
-  </p:clrMapOvr>
-  <p:timing>
-    <p:tnLst>
-      <p:par>
-        <p:cTn id="1" dur="indefinite" restart="never" nodeType="tmRoot">
-          <p:childTnLst>
-            <p:seq concurrent="1" nextAc="seek">
-              <p:cTn id="2" dur="indefinite" nodeType="mainSeq">
-                <p:childTnLst>
-                  <p:par>
-                    <p:cTn id="3" fill="hold">
-                      <p:stCondLst>
-                        <p:cond delay="indefinite"/>
-                      </p:stCondLst>
-                      <p:childTnLst>
-                        <p:par>
-                          <p:cTn id="4" fill="hold">
-                            <p:stCondLst>
-                              <p:cond delay="0"/>
-                            </p:stCondLst>
-                            <p:childTnLst>
-                              <p:par>
-                                <p:cTn id="5" presetID="10" presetClass="entr" presetSubtype="0" fill="hold" grpId="0" nodeType="clickEffect">
-                                  <p:stCondLst>
-                                    <p:cond delay="0"/>
-                                  </p:stCondLst>
-                                  <p:childTnLst>
-                                    <p:set>
-                                      <p:cBhvr>
-                                        <p:cTn id="6" dur="1" fill="hold">
-                                          <p:stCondLst>
-                                            <p:cond delay="0"/>
-                                          </p:stCondLst>
-                                        </p:cTn>
-                                        <p:tgtEl>
-                                          <p:spTgt spid="3">
-                                            <p:txEl>
-                                              <p:pRg st="0" end="0"/>
-                                            </p:txEl>
-                                          </p:spTgt>
-                                        </p:tgtEl>
-                                        <p:attrNameLst>
-                                          <p:attrName>style.visibility</p:attrName>
-                                        </p:attrNameLst>
-                                      </p:cBhvr>
-                                      <p:to>
-                                        <p:strVal val="visible"/>
-                                      </p:to>
-                                    </p:set>
-                                    <p:animEffect transition="in" filter="fade">
-                                      <p:cBhvr>
-                                        <p:cTn id="7" dur="500"/>
-                                        <p:tgtEl>
-                                          <p:spTgt spid="3">
-                                            <p:txEl>
-                                              <p:pRg st="0" end="0"/>
-                                            </p:txEl>
-                                          </p:spTgt>
-                                        </p:tgtEl>
-                                      </p:cBhvr>
-                                    </p:animEffect>
-                                  </p:childTnLst>
-                                </p:cTn>
-                              </p:par>
-                            </p:childTnLst>
-                          </p:cTn>
-                        </p:par>
-                      </p:childTnLst>
-                    </p:cTn>
-                  </p:par>
-                  <p:par>
-                    <p:cTn id="8" fill="hold">
-                      <p:stCondLst>
-                        <p:cond delay="indefinite"/>
-                      </p:stCondLst>
-                      <p:childTnLst>
-                        <p:par>
-                          <p:cTn id="9" fill="hold">
-                            <p:stCondLst>
-                              <p:cond delay="0"/>
-                            </p:stCondLst>
-                            <p:childTnLst>
-                              <p:par>
-                                <p:cTn id="10" presetID="10" presetClass="entr" presetSubtype="0" fill="hold" grpId="0" nodeType="clickEffect">
-                                  <p:stCondLst>
-                                    <p:cond delay="0"/>
-                                  </p:stCondLst>
-                                  <p:childTnLst>
-                                    <p:set>
-                                      <p:cBhvr>
-                                        <p:cTn id="11" dur="1" fill="hold">
-                                          <p:stCondLst>
-                                            <p:cond delay="0"/>
-                                          </p:stCondLst>
-                                        </p:cTn>
-                                        <p:tgtEl>
-                                          <p:spTgt spid="3">
-                                            <p:txEl>
-                                              <p:pRg st="1" end="1"/>
-                                            </p:txEl>
-                                          </p:spTgt>
-                                        </p:tgtEl>
-                                        <p:attrNameLst>
-                                          <p:attrName>style.visibility</p:attrName>
-                                        </p:attrNameLst>
-                                      </p:cBhvr>
-                                      <p:to>
-                                        <p:strVal val="visible"/>
-                                      </p:to>
-                                    </p:set>
-                                    <p:animEffect transition="in" filter="fade">
-                                      <p:cBhvr>
-                                        <p:cTn id="12" dur="500"/>
-                                        <p:tgtEl>
-                                          <p:spTgt spid="3">
-                                            <p:txEl>
-                                              <p:pRg st="1" end="1"/>
-                                            </p:txEl>
-                                          </p:spTgt>
-                                        </p:tgtEl>
-                                      </p:cBhvr>
-                                    </p:animEffect>
-                                  </p:childTnLst>
-                                </p:cTn>
-                              </p:par>
-                            </p:childTnLst>
-                          </p:cTn>
-                        </p:par>
-                      </p:childTnLst>
-                    </p:cTn>
-                  </p:par>
-                </p:childTnLst>
-              </p:cTn>
-              <p:prevCondLst>
-                <p:cond evt="onPrev" delay="0">
-                  <p:tgtEl>
-                    <p:sldTgt/>
-                  </p:tgtEl>
-                </p:cond>
-              </p:prevCondLst>
-              <p:nextCondLst>
-                <p:cond evt="onNext" delay="0">
-                  <p:tgtEl>
-                    <p:sldTgt/>
-                  </p:tgtEl>
-                </p:cond>
-              </p:nextCondLst>
-            </p:seq>
-          </p:childTnLst>
-        </p:cTn>
-      </p:par>
-    </p:tnLst>
-    <p:bldLst>
-      <p:bldP spid="3" grpId="0" build="p"/>
-    </p:bldLst>
-  </p:timing>
-</p:sld>
-</file>
-
-<file path=ppt/slides/slide17.xml><?xml version="1.0" encoding="utf-8"?>
-<p:sld xmlns:a="http://schemas.openxmlformats.org/drawingml/2006/main" xmlns:r="http://schemas.openxmlformats.org/officeDocument/2006/relationships" xmlns:p="http://schemas.openxmlformats.org/presentationml/2006/main">
-  <p:cSld>
-    <p:spTree>
-      <p:nvGrpSpPr>
-        <p:cNvPr id="1" name=""/>
-        <p:cNvGrpSpPr/>
-        <p:nvPr/>
-      </p:nvGrpSpPr>
-      <p:grpSpPr>
-        <a:xfrm>
-          <a:off x="0" y="0"/>
-          <a:ext cx="0" cy="0"/>
-          <a:chOff x="0" y="0"/>
-          <a:chExt cx="0" cy="0"/>
-        </a:xfrm>
-      </p:grpSpPr>
-      <p:sp>
-        <p:nvSpPr>
-          <p:cNvPr id="2" name="Titel 1"/>
-          <p:cNvSpPr>
-            <a:spLocks noGrp="1"/>
-          </p:cNvSpPr>
-          <p:nvPr>
-            <p:ph type="title"/>
-          </p:nvPr>
-        </p:nvSpPr>
-        <p:spPr/>
-        <p:txBody>
-          <a:bodyPr/>
-          <a:lstStyle/>
-          <a:p>
-            <a:r>
-              <a:rPr lang="de-AT" dirty="0"/>
-              <a:t>CSS </a:t>
-            </a:r>
-            <a:r>
-              <a:rPr lang="de-AT" dirty="0" err="1"/>
-              <a:t>Flexbox</a:t>
-            </a:r>
-            <a:r>
-              <a:rPr lang="de-AT" dirty="0"/>
-              <a:t>: </a:t>
-            </a:r>
-            <a:r>
-              <a:rPr lang="de-AT" dirty="0" err="1"/>
-              <a:t>flexbox-grow</a:t>
-            </a:r>
-            <a:endParaRPr lang="en-US" dirty="0"/>
-          </a:p>
-        </p:txBody>
-      </p:sp>
-      <p:sp>
-        <p:nvSpPr>
-          <p:cNvPr id="3" name="Inhaltsplatzhalter 2"/>
-          <p:cNvSpPr>
-            <a:spLocks noGrp="1"/>
-          </p:cNvSpPr>
-          <p:nvPr>
-            <p:ph idx="1"/>
-          </p:nvPr>
-        </p:nvSpPr>
-        <p:spPr>
-          <a:xfrm>
-            <a:off x="1181100" y="1934308"/>
-            <a:ext cx="5729969" cy="4137259"/>
-          </a:xfrm>
-        </p:spPr>
-        <p:txBody>
-          <a:bodyPr>
-            <a:normAutofit/>
-          </a:bodyPr>
-          <a:lstStyle/>
-          <a:p>
-            <a:r>
-              <a:rPr lang="de-AT" dirty="0"/>
-              <a:t>Definiert die Fähigkeit eines </a:t>
-            </a:r>
-            <a:r>
-              <a:rPr lang="de-AT" dirty="0" err="1"/>
-              <a:t>Flexelements</a:t>
-            </a:r>
-            <a:r>
-              <a:rPr lang="de-AT" dirty="0"/>
-              <a:t>, sich bei Bedarf zu vergrößern. </a:t>
-            </a:r>
-          </a:p>
-          <a:p>
-            <a:r>
-              <a:rPr lang="de-AT" dirty="0"/>
-              <a:t>Es legt fest, welchen Anteil des verfügbaren Platzes im </a:t>
-            </a:r>
-            <a:r>
-              <a:rPr lang="de-AT" dirty="0" err="1"/>
-              <a:t>Flexcontainer</a:t>
-            </a:r>
-            <a:r>
-              <a:rPr lang="de-AT" dirty="0"/>
-              <a:t> das Element einnehmen sollte.</a:t>
-            </a:r>
-          </a:p>
-          <a:p>
-            <a:r>
-              <a:rPr lang="de-AT" dirty="0"/>
-              <a:t>Wenn alle Elemente `flex-</a:t>
-            </a:r>
-            <a:r>
-              <a:rPr lang="de-AT" dirty="0" err="1"/>
-              <a:t>grow</a:t>
-            </a:r>
-            <a:r>
-              <a:rPr lang="de-AT" dirty="0"/>
-              <a:t>` auf 1 gesetzt haben, wird der verbleibende Platz im Container gleichmäßig auf alle Kinder verteilt. </a:t>
-            </a:r>
-          </a:p>
-          <a:p>
-            <a:r>
-              <a:rPr lang="de-AT" dirty="0"/>
-              <a:t>Wenn eines der Kinder den Wert 2 hat, würde dieses Kind doppelt so viel Platz wie eines der anderen einnehmen</a:t>
-            </a:r>
-            <a:endParaRPr lang="de-DE" dirty="0"/>
-          </a:p>
-        </p:txBody>
-      </p:sp>
-      <p:pic>
-        <p:nvPicPr>
-          <p:cNvPr id="5" name="Grafik 4">
-            <a:extLst>
-              <a:ext uri="{FF2B5EF4-FFF2-40B4-BE49-F238E27FC236}">
-                <a16:creationId xmlns:a16="http://schemas.microsoft.com/office/drawing/2014/main" id="{3ED6B717-615B-98D2-EBE7-9FBD909F53A8}"/>
-              </a:ext>
-            </a:extLst>
-          </p:cNvPr>
-          <p:cNvPicPr>
-            <a:picLocks noChangeAspect="1"/>
-          </p:cNvPicPr>
-          <p:nvPr/>
-        </p:nvPicPr>
-        <p:blipFill>
-          <a:blip r:embed="rId2"/>
-          <a:stretch>
-            <a:fillRect/>
-          </a:stretch>
-        </p:blipFill>
-        <p:spPr>
-          <a:xfrm>
-            <a:off x="7833311" y="1075764"/>
-            <a:ext cx="3775872" cy="1546743"/>
-          </a:xfrm>
-          <a:prstGeom prst="rect">
-            <a:avLst/>
-          </a:prstGeom>
-        </p:spPr>
-      </p:pic>
-      <p:pic>
-        <p:nvPicPr>
-          <p:cNvPr id="6" name="Grafik 5">
-            <a:extLst>
-              <a:ext uri="{FF2B5EF4-FFF2-40B4-BE49-F238E27FC236}">
-                <a16:creationId xmlns:a16="http://schemas.microsoft.com/office/drawing/2014/main" id="{513345C4-5D20-8299-035E-82AF058484C5}"/>
-              </a:ext>
-            </a:extLst>
-          </p:cNvPr>
-          <p:cNvPicPr>
-            <a:picLocks noChangeAspect="1"/>
-          </p:cNvPicPr>
-          <p:nvPr/>
-        </p:nvPicPr>
-        <p:blipFill>
-          <a:blip r:embed="rId3"/>
-          <a:stretch>
-            <a:fillRect/>
-          </a:stretch>
-        </p:blipFill>
-        <p:spPr>
-          <a:xfrm>
-            <a:off x="8039850" y="3110096"/>
-            <a:ext cx="3362794" cy="1390844"/>
-          </a:xfrm>
-          <a:prstGeom prst="rect">
-            <a:avLst/>
-          </a:prstGeom>
-        </p:spPr>
-      </p:pic>
-    </p:spTree>
-    <p:extLst>
-      <p:ext uri="{BB962C8B-B14F-4D97-AF65-F5344CB8AC3E}">
-        <p14:creationId xmlns:p14="http://schemas.microsoft.com/office/powerpoint/2010/main" val="2034296172"/>
-      </p:ext>
-    </p:extLst>
-  </p:cSld>
-  <p:clrMapOvr>
-    <a:masterClrMapping/>
-  </p:clrMapOvr>
-  <p:timing>
-    <p:tnLst>
-      <p:par>
-        <p:cTn id="1" dur="indefinite" restart="never" nodeType="tmRoot">
-          <p:childTnLst>
-            <p:seq concurrent="1" nextAc="seek">
-              <p:cTn id="2" dur="indefinite" nodeType="mainSeq">
-                <p:childTnLst>
-                  <p:par>
-                    <p:cTn id="3" fill="hold">
-                      <p:stCondLst>
-                        <p:cond delay="indefinite"/>
-                      </p:stCondLst>
-                      <p:childTnLst>
-                        <p:par>
-                          <p:cTn id="4" fill="hold">
-                            <p:stCondLst>
-                              <p:cond delay="0"/>
-                            </p:stCondLst>
-                            <p:childTnLst>
-                              <p:par>
-                                <p:cTn id="5" presetID="10" presetClass="entr" presetSubtype="0" fill="hold" grpId="0" nodeType="clickEffect">
-                                  <p:stCondLst>
-                                    <p:cond delay="0"/>
-                                  </p:stCondLst>
-                                  <p:childTnLst>
-                                    <p:set>
-                                      <p:cBhvr>
-                                        <p:cTn id="6" dur="1" fill="hold">
-                                          <p:stCondLst>
-                                            <p:cond delay="0"/>
-                                          </p:stCondLst>
-                                        </p:cTn>
-                                        <p:tgtEl>
-                                          <p:spTgt spid="3">
-                                            <p:txEl>
-                                              <p:pRg st="0" end="0"/>
-                                            </p:txEl>
-                                          </p:spTgt>
-                                        </p:tgtEl>
-                                        <p:attrNameLst>
-                                          <p:attrName>style.visibility</p:attrName>
-                                        </p:attrNameLst>
-                                      </p:cBhvr>
-                                      <p:to>
-                                        <p:strVal val="visible"/>
-                                      </p:to>
-                                    </p:set>
-                                    <p:animEffect transition="in" filter="fade">
-                                      <p:cBhvr>
-                                        <p:cTn id="7" dur="500"/>
-                                        <p:tgtEl>
-                                          <p:spTgt spid="3">
-                                            <p:txEl>
-                                              <p:pRg st="0" end="0"/>
-                                            </p:txEl>
-                                          </p:spTgt>
-                                        </p:tgtEl>
-                                      </p:cBhvr>
-                                    </p:animEffect>
-                                  </p:childTnLst>
-                                </p:cTn>
-                              </p:par>
-                            </p:childTnLst>
-                          </p:cTn>
-                        </p:par>
-                      </p:childTnLst>
-                    </p:cTn>
-                  </p:par>
-                  <p:par>
-                    <p:cTn id="8" fill="hold">
-                      <p:stCondLst>
-                        <p:cond delay="indefinite"/>
-                      </p:stCondLst>
-                      <p:childTnLst>
-                        <p:par>
-                          <p:cTn id="9" fill="hold">
-                            <p:stCondLst>
-                              <p:cond delay="0"/>
-                            </p:stCondLst>
-                            <p:childTnLst>
-                              <p:par>
-                                <p:cTn id="10" presetID="10" presetClass="entr" presetSubtype="0" fill="hold" grpId="0" nodeType="clickEffect">
-                                  <p:stCondLst>
-                                    <p:cond delay="0"/>
-                                  </p:stCondLst>
-                                  <p:childTnLst>
-                                    <p:set>
-                                      <p:cBhvr>
-                                        <p:cTn id="11" dur="1" fill="hold">
-                                          <p:stCondLst>
-                                            <p:cond delay="0"/>
-                                          </p:stCondLst>
-                                        </p:cTn>
-                                        <p:tgtEl>
-                                          <p:spTgt spid="3">
-                                            <p:txEl>
-                                              <p:pRg st="1" end="1"/>
-                                            </p:txEl>
-                                          </p:spTgt>
-                                        </p:tgtEl>
-                                        <p:attrNameLst>
-                                          <p:attrName>style.visibility</p:attrName>
-                                        </p:attrNameLst>
-                                      </p:cBhvr>
-                                      <p:to>
-                                        <p:strVal val="visible"/>
-                                      </p:to>
-                                    </p:set>
-                                    <p:animEffect transition="in" filter="fade">
-                                      <p:cBhvr>
-                                        <p:cTn id="12" dur="500"/>
-                                        <p:tgtEl>
-                                          <p:spTgt spid="3">
-                                            <p:txEl>
-                                              <p:pRg st="1" end="1"/>
-                                            </p:txEl>
-                                          </p:spTgt>
-                                        </p:tgtEl>
-                                      </p:cBhvr>
-                                    </p:animEffect>
-                                  </p:childTnLst>
-                                </p:cTn>
-                              </p:par>
-                            </p:childTnLst>
-                          </p:cTn>
-                        </p:par>
-                      </p:childTnLst>
-                    </p:cTn>
-                  </p:par>
-                  <p:par>
-                    <p:cTn id="13" fill="hold">
-                      <p:stCondLst>
-                        <p:cond delay="indefinite"/>
-                      </p:stCondLst>
-                      <p:childTnLst>
-                        <p:par>
-                          <p:cTn id="14" fill="hold">
-                            <p:stCondLst>
-                              <p:cond delay="0"/>
-                            </p:stCondLst>
-                            <p:childTnLst>
-                              <p:par>
-                                <p:cTn id="15" presetID="10" presetClass="entr" presetSubtype="0" fill="hold" grpId="0" nodeType="clickEffect">
-                                  <p:stCondLst>
-                                    <p:cond delay="0"/>
-                                  </p:stCondLst>
-                                  <p:childTnLst>
-                                    <p:set>
-                                      <p:cBhvr>
-                                        <p:cTn id="16" dur="1" fill="hold">
-                                          <p:stCondLst>
-                                            <p:cond delay="0"/>
-                                          </p:stCondLst>
-                                        </p:cTn>
-                                        <p:tgtEl>
-                                          <p:spTgt spid="3">
-                                            <p:txEl>
-                                              <p:pRg st="2" end="2"/>
-                                            </p:txEl>
-                                          </p:spTgt>
-                                        </p:tgtEl>
-                                        <p:attrNameLst>
-                                          <p:attrName>style.visibility</p:attrName>
-                                        </p:attrNameLst>
-                                      </p:cBhvr>
-                                      <p:to>
-                                        <p:strVal val="visible"/>
-                                      </p:to>
-                                    </p:set>
-                                    <p:animEffect transition="in" filter="fade">
-                                      <p:cBhvr>
-                                        <p:cTn id="17" dur="500"/>
-                                        <p:tgtEl>
-                                          <p:spTgt spid="3">
-                                            <p:txEl>
-                                              <p:pRg st="2" end="2"/>
-                                            </p:txEl>
-                                          </p:spTgt>
-                                        </p:tgtEl>
-                                      </p:cBhvr>
-                                    </p:animEffect>
-                                  </p:childTnLst>
-                                </p:cTn>
-                              </p:par>
-                            </p:childTnLst>
-                          </p:cTn>
-                        </p:par>
-                      </p:childTnLst>
-                    </p:cTn>
-                  </p:par>
-                  <p:par>
-                    <p:cTn id="18" fill="hold">
-                      <p:stCondLst>
-                        <p:cond delay="indefinite"/>
-                      </p:stCondLst>
-                      <p:childTnLst>
-                        <p:par>
-                          <p:cTn id="19" fill="hold">
-                            <p:stCondLst>
-                              <p:cond delay="0"/>
-                            </p:stCondLst>
-                            <p:childTnLst>
-                              <p:par>
-                                <p:cTn id="20" presetID="10" presetClass="entr" presetSubtype="0" fill="hold" grpId="0" nodeType="clickEffect">
-                                  <p:stCondLst>
-                                    <p:cond delay="0"/>
-                                  </p:stCondLst>
-                                  <p:childTnLst>
-                                    <p:set>
-                                      <p:cBhvr>
-                                        <p:cTn id="21" dur="1" fill="hold">
-                                          <p:stCondLst>
-                                            <p:cond delay="0"/>
-                                          </p:stCondLst>
-                                        </p:cTn>
-                                        <p:tgtEl>
-                                          <p:spTgt spid="3">
-                                            <p:txEl>
-                                              <p:pRg st="3" end="3"/>
-                                            </p:txEl>
-                                          </p:spTgt>
-                                        </p:tgtEl>
-                                        <p:attrNameLst>
-                                          <p:attrName>style.visibility</p:attrName>
-                                        </p:attrNameLst>
-                                      </p:cBhvr>
-                                      <p:to>
-                                        <p:strVal val="visible"/>
-                                      </p:to>
-                                    </p:set>
-                                    <p:animEffect transition="in" filter="fade">
-                                      <p:cBhvr>
-                                        <p:cTn id="22" dur="500"/>
-                                        <p:tgtEl>
-                                          <p:spTgt spid="3">
-                                            <p:txEl>
-                                              <p:pRg st="3" end="3"/>
-                                            </p:txEl>
-                                          </p:spTgt>
-                                        </p:tgtEl>
-                                      </p:cBhvr>
-                                    </p:animEffect>
-                                  </p:childTnLst>
-                                </p:cTn>
-                              </p:par>
-                            </p:childTnLst>
-                          </p:cTn>
-                        </p:par>
-                      </p:childTnLst>
-                    </p:cTn>
-                  </p:par>
-                </p:childTnLst>
-              </p:cTn>
-              <p:prevCondLst>
-                <p:cond evt="onPrev" delay="0">
-                  <p:tgtEl>
-                    <p:sldTgt/>
-                  </p:tgtEl>
-                </p:cond>
-              </p:prevCondLst>
-              <p:nextCondLst>
-                <p:cond evt="onNext" delay="0">
-                  <p:tgtEl>
-                    <p:sldTgt/>
-                  </p:tgtEl>
-                </p:cond>
-              </p:nextCondLst>
-            </p:seq>
-          </p:childTnLst>
-        </p:cTn>
-      </p:par>
-    </p:tnLst>
-    <p:bldLst>
-      <p:bldP spid="3" grpId="0" build="p"/>
-    </p:bldLst>
-  </p:timing>
-</p:sld>
-</file>
-
-<file path=ppt/slides/slide18.xml><?xml version="1.0" encoding="utf-8"?>
-<p:sld xmlns:a="http://schemas.openxmlformats.org/drawingml/2006/main" xmlns:r="http://schemas.openxmlformats.org/officeDocument/2006/relationships" xmlns:p="http://schemas.openxmlformats.org/presentationml/2006/main">
-  <p:cSld>
-    <p:spTree>
-      <p:nvGrpSpPr>
-        <p:cNvPr id="1" name=""/>
-        <p:cNvGrpSpPr/>
-        <p:nvPr/>
-      </p:nvGrpSpPr>
-      <p:grpSpPr>
-        <a:xfrm>
-          <a:off x="0" y="0"/>
-          <a:ext cx="0" cy="0"/>
-          <a:chOff x="0" y="0"/>
-          <a:chExt cx="0" cy="0"/>
-        </a:xfrm>
-      </p:grpSpPr>
-      <p:sp>
-        <p:nvSpPr>
-          <p:cNvPr id="2" name="Titel 1"/>
-          <p:cNvSpPr>
-            <a:spLocks noGrp="1"/>
-          </p:cNvSpPr>
-          <p:nvPr>
-            <p:ph type="title"/>
-          </p:nvPr>
-        </p:nvSpPr>
-        <p:spPr/>
-        <p:txBody>
-          <a:bodyPr/>
-          <a:lstStyle/>
-          <a:p>
-            <a:r>
-              <a:rPr lang="de-AT" dirty="0"/>
-              <a:t>CSS </a:t>
-            </a:r>
-            <a:r>
-              <a:rPr lang="de-AT" dirty="0" err="1"/>
-              <a:t>Flexbox</a:t>
-            </a:r>
-            <a:r>
-              <a:rPr lang="de-AT" dirty="0"/>
-              <a:t>: </a:t>
-            </a:r>
-            <a:r>
-              <a:rPr lang="de-AT" dirty="0" err="1"/>
-              <a:t>flexbox-shrink</a:t>
-            </a:r>
-            <a:endParaRPr lang="en-US" dirty="0"/>
-          </a:p>
-        </p:txBody>
-      </p:sp>
-      <p:sp>
-        <p:nvSpPr>
-          <p:cNvPr id="3" name="Inhaltsplatzhalter 2"/>
-          <p:cNvSpPr>
-            <a:spLocks noGrp="1"/>
-          </p:cNvSpPr>
-          <p:nvPr>
-            <p:ph idx="1"/>
-          </p:nvPr>
-        </p:nvSpPr>
-        <p:spPr>
-          <a:xfrm>
-            <a:off x="1181100" y="1934308"/>
-            <a:ext cx="5729969" cy="4137259"/>
-          </a:xfrm>
-        </p:spPr>
-        <p:txBody>
-          <a:bodyPr>
-            <a:normAutofit fontScale="92500" lnSpcReduction="20000"/>
-          </a:bodyPr>
-          <a:lstStyle/>
-          <a:p>
-            <a:r>
-              <a:rPr lang="de-AT" dirty="0"/>
-              <a:t>`flex-</a:t>
-            </a:r>
-            <a:r>
-              <a:rPr lang="de-AT" dirty="0" err="1"/>
-              <a:t>shrink</a:t>
-            </a:r>
-            <a:r>
-              <a:rPr lang="de-AT" dirty="0"/>
-              <a:t>` ist eine CSS-Eigenschaft, die steuert, wie stark ein </a:t>
-            </a:r>
-            <a:r>
-              <a:rPr lang="de-AT" dirty="0" err="1"/>
-              <a:t>Flexelement</a:t>
-            </a:r>
-            <a:r>
-              <a:rPr lang="de-AT" dirty="0"/>
-              <a:t> schrumpfen kann, wenn der verfügbare Platz nicht ausreicht. </a:t>
-            </a:r>
-          </a:p>
-          <a:p>
-            <a:r>
-              <a:rPr lang="de-AT" dirty="0"/>
-              <a:t>Ein Wert von 0 bedeutet, dass das Element nicht schrumpfen kann und seine ursprüngliche Größe beibehält.</a:t>
-            </a:r>
-          </a:p>
-          <a:p>
-            <a:r>
-              <a:rPr lang="de-AT" dirty="0"/>
-              <a:t>Ein Wert größer als 0 legt fest, wie stark das Element schrumpfen kann, relativ zu anderen Elementen im Container. </a:t>
-            </a:r>
-          </a:p>
-          <a:p>
-            <a:r>
-              <a:rPr lang="de-AT" dirty="0"/>
-              <a:t>Ein höherer Wert bedeutet, dass das Element stärker schrumpfen wird als Elemente mit niedrigerem Wert.</a:t>
-            </a:r>
-          </a:p>
-          <a:p>
-            <a:r>
-              <a:rPr lang="de-AT" dirty="0"/>
-              <a:t>Negative Werte sollten vermieden werden, da sie zu unvorhersehbaren Ergebnissen führen können.</a:t>
-            </a:r>
-            <a:endParaRPr lang="de-DE" dirty="0"/>
-          </a:p>
-        </p:txBody>
-      </p:sp>
-      <p:pic>
-        <p:nvPicPr>
-          <p:cNvPr id="5" name="Grafik 4">
-            <a:extLst>
-              <a:ext uri="{FF2B5EF4-FFF2-40B4-BE49-F238E27FC236}">
-                <a16:creationId xmlns:a16="http://schemas.microsoft.com/office/drawing/2014/main" id="{3ED6B717-615B-98D2-EBE7-9FBD909F53A8}"/>
-              </a:ext>
-            </a:extLst>
-          </p:cNvPr>
-          <p:cNvPicPr>
-            <a:picLocks noChangeAspect="1"/>
-          </p:cNvPicPr>
-          <p:nvPr/>
-        </p:nvPicPr>
-        <p:blipFill>
-          <a:blip r:embed="rId2"/>
-          <a:stretch>
-            <a:fillRect/>
-          </a:stretch>
-        </p:blipFill>
-        <p:spPr>
-          <a:xfrm>
-            <a:off x="7833311" y="1075764"/>
-            <a:ext cx="3775872" cy="1546743"/>
-          </a:xfrm>
-          <a:prstGeom prst="rect">
-            <a:avLst/>
-          </a:prstGeom>
-        </p:spPr>
-      </p:pic>
-      <p:pic>
-        <p:nvPicPr>
-          <p:cNvPr id="4" name="Grafik 3">
-            <a:extLst>
-              <a:ext uri="{FF2B5EF4-FFF2-40B4-BE49-F238E27FC236}">
-                <a16:creationId xmlns:a16="http://schemas.microsoft.com/office/drawing/2014/main" id="{5D66E4A6-57A4-3557-B2AA-86C5CCDAED03}"/>
-              </a:ext>
-            </a:extLst>
-          </p:cNvPr>
-          <p:cNvPicPr>
-            <a:picLocks noChangeAspect="1"/>
-          </p:cNvPicPr>
-          <p:nvPr/>
-        </p:nvPicPr>
-        <p:blipFill>
-          <a:blip r:embed="rId3"/>
-          <a:stretch>
-            <a:fillRect/>
-          </a:stretch>
-        </p:blipFill>
-        <p:spPr>
-          <a:xfrm>
-            <a:off x="8039850" y="3110096"/>
-            <a:ext cx="3362794" cy="1390844"/>
-          </a:xfrm>
-          <a:prstGeom prst="rect">
-            <a:avLst/>
-          </a:prstGeom>
-        </p:spPr>
-      </p:pic>
-    </p:spTree>
-    <p:extLst>
-      <p:ext uri="{BB962C8B-B14F-4D97-AF65-F5344CB8AC3E}">
-        <p14:creationId xmlns:p14="http://schemas.microsoft.com/office/powerpoint/2010/main" val="1304034697"/>
-      </p:ext>
-    </p:extLst>
-  </p:cSld>
-  <p:clrMapOvr>
-    <a:masterClrMapping/>
-  </p:clrMapOvr>
-  <p:timing>
-    <p:tnLst>
-      <p:par>
-        <p:cTn id="1" dur="indefinite" restart="never" nodeType="tmRoot">
-          <p:childTnLst>
-            <p:seq concurrent="1" nextAc="seek">
-              <p:cTn id="2" dur="indefinite" nodeType="mainSeq">
-                <p:childTnLst>
-                  <p:par>
-                    <p:cTn id="3" fill="hold">
-                      <p:stCondLst>
-                        <p:cond delay="indefinite"/>
-                      </p:stCondLst>
-                      <p:childTnLst>
-                        <p:par>
-                          <p:cTn id="4" fill="hold">
-                            <p:stCondLst>
-                              <p:cond delay="0"/>
-                            </p:stCondLst>
-                            <p:childTnLst>
-                              <p:par>
-                                <p:cTn id="5" presetID="10" presetClass="entr" presetSubtype="0" fill="hold" grpId="0" nodeType="clickEffect">
-                                  <p:stCondLst>
-                                    <p:cond delay="0"/>
-                                  </p:stCondLst>
-                                  <p:childTnLst>
-                                    <p:set>
-                                      <p:cBhvr>
-                                        <p:cTn id="6" dur="1" fill="hold">
-                                          <p:stCondLst>
-                                            <p:cond delay="0"/>
-                                          </p:stCondLst>
-                                        </p:cTn>
-                                        <p:tgtEl>
-                                          <p:spTgt spid="3">
-                                            <p:txEl>
-                                              <p:pRg st="0" end="0"/>
-                                            </p:txEl>
-                                          </p:spTgt>
-                                        </p:tgtEl>
-                                        <p:attrNameLst>
-                                          <p:attrName>style.visibility</p:attrName>
-                                        </p:attrNameLst>
-                                      </p:cBhvr>
-                                      <p:to>
-                                        <p:strVal val="visible"/>
-                                      </p:to>
-                                    </p:set>
-                                    <p:animEffect transition="in" filter="fade">
-                                      <p:cBhvr>
-                                        <p:cTn id="7" dur="500"/>
-                                        <p:tgtEl>
-                                          <p:spTgt spid="3">
-                                            <p:txEl>
-                                              <p:pRg st="0" end="0"/>
-                                            </p:txEl>
-                                          </p:spTgt>
-                                        </p:tgtEl>
-                                      </p:cBhvr>
-                                    </p:animEffect>
-                                  </p:childTnLst>
-                                </p:cTn>
-                              </p:par>
-                            </p:childTnLst>
-                          </p:cTn>
-                        </p:par>
-                      </p:childTnLst>
-                    </p:cTn>
-                  </p:par>
-                  <p:par>
-                    <p:cTn id="8" fill="hold">
-                      <p:stCondLst>
-                        <p:cond delay="indefinite"/>
-                      </p:stCondLst>
-                      <p:childTnLst>
-                        <p:par>
-                          <p:cTn id="9" fill="hold">
-                            <p:stCondLst>
-                              <p:cond delay="0"/>
-                            </p:stCondLst>
-                            <p:childTnLst>
-                              <p:par>
-                                <p:cTn id="10" presetID="10" presetClass="entr" presetSubtype="0" fill="hold" grpId="0" nodeType="clickEffect">
-                                  <p:stCondLst>
-                                    <p:cond delay="0"/>
-                                  </p:stCondLst>
-                                  <p:childTnLst>
-                                    <p:set>
-                                      <p:cBhvr>
-                                        <p:cTn id="11" dur="1" fill="hold">
-                                          <p:stCondLst>
-                                            <p:cond delay="0"/>
-                                          </p:stCondLst>
-                                        </p:cTn>
-                                        <p:tgtEl>
-                                          <p:spTgt spid="3">
-                                            <p:txEl>
-                                              <p:pRg st="1" end="1"/>
-                                            </p:txEl>
-                                          </p:spTgt>
-                                        </p:tgtEl>
-                                        <p:attrNameLst>
-                                          <p:attrName>style.visibility</p:attrName>
-                                        </p:attrNameLst>
-                                      </p:cBhvr>
-                                      <p:to>
-                                        <p:strVal val="visible"/>
-                                      </p:to>
-                                    </p:set>
-                                    <p:animEffect transition="in" filter="fade">
-                                      <p:cBhvr>
-                                        <p:cTn id="12" dur="500"/>
-                                        <p:tgtEl>
-                                          <p:spTgt spid="3">
-                                            <p:txEl>
-                                              <p:pRg st="1" end="1"/>
-                                            </p:txEl>
-                                          </p:spTgt>
-                                        </p:tgtEl>
-                                      </p:cBhvr>
-                                    </p:animEffect>
-                                  </p:childTnLst>
-                                </p:cTn>
-                              </p:par>
-                            </p:childTnLst>
-                          </p:cTn>
-                        </p:par>
-                      </p:childTnLst>
-                    </p:cTn>
-                  </p:par>
-                  <p:par>
-                    <p:cTn id="13" fill="hold">
-                      <p:stCondLst>
-                        <p:cond delay="indefinite"/>
-                      </p:stCondLst>
-                      <p:childTnLst>
-                        <p:par>
-                          <p:cTn id="14" fill="hold">
-                            <p:stCondLst>
-                              <p:cond delay="0"/>
-                            </p:stCondLst>
-                            <p:childTnLst>
-                              <p:par>
-                                <p:cTn id="15" presetID="10" presetClass="entr" presetSubtype="0" fill="hold" grpId="0" nodeType="clickEffect">
-                                  <p:stCondLst>
-                                    <p:cond delay="0"/>
-                                  </p:stCondLst>
-                                  <p:childTnLst>
-                                    <p:set>
-                                      <p:cBhvr>
-                                        <p:cTn id="16" dur="1" fill="hold">
-                                          <p:stCondLst>
-                                            <p:cond delay="0"/>
-                                          </p:stCondLst>
-                                        </p:cTn>
-                                        <p:tgtEl>
-                                          <p:spTgt spid="3">
-                                            <p:txEl>
-                                              <p:pRg st="2" end="2"/>
-                                            </p:txEl>
-                                          </p:spTgt>
-                                        </p:tgtEl>
-                                        <p:attrNameLst>
-                                          <p:attrName>style.visibility</p:attrName>
-                                        </p:attrNameLst>
-                                      </p:cBhvr>
-                                      <p:to>
-                                        <p:strVal val="visible"/>
-                                      </p:to>
-                                    </p:set>
-                                    <p:animEffect transition="in" filter="fade">
-                                      <p:cBhvr>
-                                        <p:cTn id="17" dur="500"/>
-                                        <p:tgtEl>
-                                          <p:spTgt spid="3">
-                                            <p:txEl>
-                                              <p:pRg st="2" end="2"/>
-                                            </p:txEl>
-                                          </p:spTgt>
-                                        </p:tgtEl>
-                                      </p:cBhvr>
-                                    </p:animEffect>
-                                  </p:childTnLst>
-                                </p:cTn>
-                              </p:par>
-                            </p:childTnLst>
-                          </p:cTn>
-                        </p:par>
-                      </p:childTnLst>
-                    </p:cTn>
-                  </p:par>
-                  <p:par>
-                    <p:cTn id="18" fill="hold">
-                      <p:stCondLst>
-                        <p:cond delay="indefinite"/>
-                      </p:stCondLst>
-                      <p:childTnLst>
-                        <p:par>
-                          <p:cTn id="19" fill="hold">
-                            <p:stCondLst>
-                              <p:cond delay="0"/>
-                            </p:stCondLst>
-                            <p:childTnLst>
-                              <p:par>
-                                <p:cTn id="20" presetID="10" presetClass="entr" presetSubtype="0" fill="hold" grpId="0" nodeType="clickEffect">
-                                  <p:stCondLst>
-                                    <p:cond delay="0"/>
-                                  </p:stCondLst>
-                                  <p:childTnLst>
-                                    <p:set>
-                                      <p:cBhvr>
-                                        <p:cTn id="21" dur="1" fill="hold">
-                                          <p:stCondLst>
-                                            <p:cond delay="0"/>
-                                          </p:stCondLst>
-                                        </p:cTn>
-                                        <p:tgtEl>
-                                          <p:spTgt spid="3">
-                                            <p:txEl>
-                                              <p:pRg st="3" end="3"/>
-                                            </p:txEl>
-                                          </p:spTgt>
-                                        </p:tgtEl>
-                                        <p:attrNameLst>
-                                          <p:attrName>style.visibility</p:attrName>
-                                        </p:attrNameLst>
-                                      </p:cBhvr>
-                                      <p:to>
-                                        <p:strVal val="visible"/>
-                                      </p:to>
-                                    </p:set>
-                                    <p:animEffect transition="in" filter="fade">
-                                      <p:cBhvr>
-                                        <p:cTn id="22" dur="500"/>
-                                        <p:tgtEl>
-                                          <p:spTgt spid="3">
-                                            <p:txEl>
-                                              <p:pRg st="3" end="3"/>
-                                            </p:txEl>
-                                          </p:spTgt>
-                                        </p:tgtEl>
-                                      </p:cBhvr>
-                                    </p:animEffect>
-                                  </p:childTnLst>
-                                </p:cTn>
-                              </p:par>
-                            </p:childTnLst>
-                          </p:cTn>
-                        </p:par>
-                      </p:childTnLst>
-                    </p:cTn>
-                  </p:par>
-                  <p:par>
-                    <p:cTn id="23" fill="hold">
-                      <p:stCondLst>
-                        <p:cond delay="indefinite"/>
-                      </p:stCondLst>
-                      <p:childTnLst>
-                        <p:par>
-                          <p:cTn id="24" fill="hold">
-                            <p:stCondLst>
-                              <p:cond delay="0"/>
-                            </p:stCondLst>
-                            <p:childTnLst>
-                              <p:par>
-                                <p:cTn id="25" presetID="10" presetClass="entr" presetSubtype="0" fill="hold" grpId="0" nodeType="clickEffect">
-                                  <p:stCondLst>
-                                    <p:cond delay="0"/>
-                                  </p:stCondLst>
-                                  <p:childTnLst>
-                                    <p:set>
-                                      <p:cBhvr>
-                                        <p:cTn id="26" dur="1" fill="hold">
-                                          <p:stCondLst>
-                                            <p:cond delay="0"/>
-                                          </p:stCondLst>
-                                        </p:cTn>
-                                        <p:tgtEl>
-                                          <p:spTgt spid="3">
-                                            <p:txEl>
-                                              <p:pRg st="4" end="4"/>
-                                            </p:txEl>
-                                          </p:spTgt>
-                                        </p:tgtEl>
-                                        <p:attrNameLst>
-                                          <p:attrName>style.visibility</p:attrName>
-                                        </p:attrNameLst>
-                                      </p:cBhvr>
-                                      <p:to>
-                                        <p:strVal val="visible"/>
-                                      </p:to>
-                                    </p:set>
-                                    <p:animEffect transition="in" filter="fade">
-                                      <p:cBhvr>
-                                        <p:cTn id="27" dur="500"/>
-                                        <p:tgtEl>
-                                          <p:spTgt spid="3">
-                                            <p:txEl>
-                                              <p:pRg st="4" end="4"/>
-                                            </p:txEl>
-                                          </p:spTgt>
-                                        </p:tgtEl>
-                                      </p:cBhvr>
-                                    </p:animEffect>
-                                  </p:childTnLst>
-                                </p:cTn>
-                              </p:par>
-                            </p:childTnLst>
-                          </p:cTn>
-                        </p:par>
-                      </p:childTnLst>
-                    </p:cTn>
-                  </p:par>
-                </p:childTnLst>
-              </p:cTn>
-              <p:prevCondLst>
-                <p:cond evt="onPrev" delay="0">
-                  <p:tgtEl>
-                    <p:sldTgt/>
-                  </p:tgtEl>
-                </p:cond>
-              </p:prevCondLst>
-              <p:nextCondLst>
-                <p:cond evt="onNext" delay="0">
-                  <p:tgtEl>
-                    <p:sldTgt/>
-                  </p:tgtEl>
-                </p:cond>
-              </p:nextCondLst>
-            </p:seq>
-          </p:childTnLst>
-        </p:cTn>
-      </p:par>
-    </p:tnLst>
-    <p:bldLst>
-      <p:bldP spid="3" grpId="0" build="p"/>
-    </p:bldLst>
-  </p:timing>
-</p:sld>
-</file>
-
-<file path=ppt/slides/slide19.xml><?xml version="1.0" encoding="utf-8"?>
-<p:sld xmlns:a="http://schemas.openxmlformats.org/drawingml/2006/main" xmlns:r="http://schemas.openxmlformats.org/officeDocument/2006/relationships" xmlns:p="http://schemas.openxmlformats.org/presentationml/2006/main">
-  <p:cSld>
-    <p:spTree>
-      <p:nvGrpSpPr>
-        <p:cNvPr id="1" name=""/>
-        <p:cNvGrpSpPr/>
-        <p:nvPr/>
-      </p:nvGrpSpPr>
-      <p:grpSpPr>
-        <a:xfrm>
-          <a:off x="0" y="0"/>
-          <a:ext cx="0" cy="0"/>
-          <a:chOff x="0" y="0"/>
-          <a:chExt cx="0" cy="0"/>
-        </a:xfrm>
-      </p:grpSpPr>
-      <p:sp>
-        <p:nvSpPr>
-          <p:cNvPr id="2" name="Titel 1"/>
-          <p:cNvSpPr>
-            <a:spLocks noGrp="1"/>
-          </p:cNvSpPr>
-          <p:nvPr>
-            <p:ph type="title"/>
-          </p:nvPr>
-        </p:nvSpPr>
-        <p:spPr/>
-        <p:txBody>
-          <a:bodyPr/>
-          <a:lstStyle/>
-          <a:p>
-            <a:r>
-              <a:rPr lang="de-AT" dirty="0"/>
-              <a:t>CSS </a:t>
-            </a:r>
-            <a:r>
-              <a:rPr lang="de-AT" dirty="0" err="1"/>
-              <a:t>Flexbox</a:t>
-            </a:r>
-            <a:r>
-              <a:rPr lang="de-AT" dirty="0"/>
-              <a:t>: </a:t>
-            </a:r>
-            <a:r>
-              <a:rPr lang="de-AT" dirty="0" err="1"/>
-              <a:t>flexbox</a:t>
-            </a:r>
-            <a:r>
-              <a:rPr lang="de-AT" dirty="0"/>
-              <a:t>-basis</a:t>
-            </a:r>
-            <a:endParaRPr lang="en-US" dirty="0"/>
-          </a:p>
-        </p:txBody>
-      </p:sp>
-      <p:sp>
-        <p:nvSpPr>
-          <p:cNvPr id="3" name="Inhaltsplatzhalter 2"/>
-          <p:cNvSpPr>
-            <a:spLocks noGrp="1"/>
-          </p:cNvSpPr>
-          <p:nvPr>
-            <p:ph idx="1"/>
-          </p:nvPr>
-        </p:nvSpPr>
-        <p:spPr>
-          <a:xfrm>
-            <a:off x="1181100" y="1934308"/>
-            <a:ext cx="5729969" cy="4137259"/>
-          </a:xfrm>
-        </p:spPr>
-        <p:txBody>
-          <a:bodyPr>
-            <a:normAutofit/>
-          </a:bodyPr>
-          <a:lstStyle/>
-          <a:p>
-            <a:r>
-              <a:rPr lang="de-AT" dirty="0"/>
-              <a:t>Dies definiert die Standardgröße eines Elements, bevor der verbleibende Platz verteilt wird. </a:t>
-            </a:r>
-          </a:p>
-          <a:p>
-            <a:r>
-              <a:rPr lang="de-AT" dirty="0"/>
-              <a:t>Kann über folgende Arten definiert sein:</a:t>
-            </a:r>
-          </a:p>
-          <a:p>
-            <a:pPr lvl="1"/>
-            <a:r>
-              <a:rPr lang="de-AT" dirty="0"/>
-              <a:t>Längeneinheit (z. B. 20%, 5rem usw.) oder ein</a:t>
-            </a:r>
-          </a:p>
-          <a:p>
-            <a:pPr lvl="1"/>
-            <a:r>
-              <a:rPr lang="de-AT" dirty="0"/>
-              <a:t>Auto (Default): Die Länge entspricht der Länge des flexiblen Elements. Wenn für das Element keine Länge angegeben ist, wird die Länge entsprechend seinem Inhalt sein</a:t>
-            </a:r>
-          </a:p>
-        </p:txBody>
-      </p:sp>
-      <p:pic>
-        <p:nvPicPr>
-          <p:cNvPr id="5" name="Grafik 4">
-            <a:extLst>
-              <a:ext uri="{FF2B5EF4-FFF2-40B4-BE49-F238E27FC236}">
-                <a16:creationId xmlns:a16="http://schemas.microsoft.com/office/drawing/2014/main" id="{3ED6B717-615B-98D2-EBE7-9FBD909F53A8}"/>
-              </a:ext>
-            </a:extLst>
-          </p:cNvPr>
-          <p:cNvPicPr>
-            <a:picLocks noChangeAspect="1"/>
-          </p:cNvPicPr>
-          <p:nvPr/>
-        </p:nvPicPr>
-        <p:blipFill>
-          <a:blip r:embed="rId2"/>
-          <a:stretch>
-            <a:fillRect/>
-          </a:stretch>
-        </p:blipFill>
-        <p:spPr>
-          <a:xfrm>
-            <a:off x="7833311" y="1075764"/>
-            <a:ext cx="3775872" cy="1546743"/>
-          </a:xfrm>
-          <a:prstGeom prst="rect">
-            <a:avLst/>
-          </a:prstGeom>
-        </p:spPr>
-      </p:pic>
-      <p:pic>
-        <p:nvPicPr>
-          <p:cNvPr id="6" name="Grafik 5">
-            <a:extLst>
-              <a:ext uri="{FF2B5EF4-FFF2-40B4-BE49-F238E27FC236}">
-                <a16:creationId xmlns:a16="http://schemas.microsoft.com/office/drawing/2014/main" id="{0E1F2FF2-D98A-B811-D7B3-52A87EB7A5AF}"/>
-              </a:ext>
-            </a:extLst>
-          </p:cNvPr>
-          <p:cNvPicPr>
-            <a:picLocks noChangeAspect="1"/>
-          </p:cNvPicPr>
-          <p:nvPr/>
-        </p:nvPicPr>
-        <p:blipFill>
-          <a:blip r:embed="rId3"/>
-          <a:stretch>
-            <a:fillRect/>
-          </a:stretch>
-        </p:blipFill>
-        <p:spPr>
-          <a:xfrm>
-            <a:off x="7036953" y="3122096"/>
-            <a:ext cx="4877481" cy="2048161"/>
-          </a:xfrm>
-          <a:prstGeom prst="rect">
-            <a:avLst/>
-          </a:prstGeom>
-        </p:spPr>
-      </p:pic>
-    </p:spTree>
-    <p:extLst>
-      <p:ext uri="{BB962C8B-B14F-4D97-AF65-F5344CB8AC3E}">
-        <p14:creationId xmlns:p14="http://schemas.microsoft.com/office/powerpoint/2010/main" val="2096363264"/>
-      </p:ext>
-    </p:extLst>
-  </p:cSld>
-  <p:clrMapOvr>
-    <a:masterClrMapping/>
-  </p:clrMapOvr>
-  <p:timing>
-    <p:tnLst>
-      <p:par>
-        <p:cTn id="1" dur="indefinite" restart="never" nodeType="tmRoot">
-          <p:childTnLst>
-            <p:seq concurrent="1" nextAc="seek">
-              <p:cTn id="2" dur="indefinite" nodeType="mainSeq">
-                <p:childTnLst>
-                  <p:par>
-                    <p:cTn id="3" fill="hold">
-                      <p:stCondLst>
-                        <p:cond delay="indefinite"/>
-                      </p:stCondLst>
-                      <p:childTnLst>
-                        <p:par>
-                          <p:cTn id="4" fill="hold">
-                            <p:stCondLst>
-                              <p:cond delay="0"/>
-                            </p:stCondLst>
-                            <p:childTnLst>
-                              <p:par>
-                                <p:cTn id="5" presetID="10" presetClass="entr" presetSubtype="0" fill="hold" grpId="0" nodeType="clickEffect">
-                                  <p:stCondLst>
-                                    <p:cond delay="0"/>
-                                  </p:stCondLst>
-                                  <p:childTnLst>
-                                    <p:set>
-                                      <p:cBhvr>
-                                        <p:cTn id="6" dur="1" fill="hold">
-                                          <p:stCondLst>
-                                            <p:cond delay="0"/>
-                                          </p:stCondLst>
-                                        </p:cTn>
-                                        <p:tgtEl>
-                                          <p:spTgt spid="3">
-                                            <p:txEl>
-                                              <p:pRg st="0" end="0"/>
-                                            </p:txEl>
-                                          </p:spTgt>
-                                        </p:tgtEl>
-                                        <p:attrNameLst>
-                                          <p:attrName>style.visibility</p:attrName>
-                                        </p:attrNameLst>
-                                      </p:cBhvr>
-                                      <p:to>
-                                        <p:strVal val="visible"/>
-                                      </p:to>
-                                    </p:set>
-                                    <p:animEffect transition="in" filter="fade">
-                                      <p:cBhvr>
-                                        <p:cTn id="7" dur="500"/>
-                                        <p:tgtEl>
-                                          <p:spTgt spid="3">
-                                            <p:txEl>
-                                              <p:pRg st="0" end="0"/>
-                                            </p:txEl>
-                                          </p:spTgt>
-                                        </p:tgtEl>
-                                      </p:cBhvr>
-                                    </p:animEffect>
-                                  </p:childTnLst>
-                                </p:cTn>
-                              </p:par>
-                            </p:childTnLst>
-                          </p:cTn>
-                        </p:par>
-                      </p:childTnLst>
-                    </p:cTn>
-                  </p:par>
-                  <p:par>
-                    <p:cTn id="8" fill="hold">
-                      <p:stCondLst>
-                        <p:cond delay="indefinite"/>
-                      </p:stCondLst>
-                      <p:childTnLst>
-                        <p:par>
-                          <p:cTn id="9" fill="hold">
-                            <p:stCondLst>
-                              <p:cond delay="0"/>
-                            </p:stCondLst>
-                            <p:childTnLst>
-                              <p:par>
-                                <p:cTn id="10" presetID="10" presetClass="entr" presetSubtype="0" fill="hold" grpId="0" nodeType="clickEffect">
-                                  <p:stCondLst>
-                                    <p:cond delay="0"/>
-                                  </p:stCondLst>
-                                  <p:childTnLst>
-                                    <p:set>
-                                      <p:cBhvr>
-                                        <p:cTn id="11" dur="1" fill="hold">
-                                          <p:stCondLst>
-                                            <p:cond delay="0"/>
-                                          </p:stCondLst>
-                                        </p:cTn>
-                                        <p:tgtEl>
-                                          <p:spTgt spid="3">
-                                            <p:txEl>
-                                              <p:pRg st="1" end="1"/>
-                                            </p:txEl>
-                                          </p:spTgt>
-                                        </p:tgtEl>
-                                        <p:attrNameLst>
-                                          <p:attrName>style.visibility</p:attrName>
-                                        </p:attrNameLst>
-                                      </p:cBhvr>
-                                      <p:to>
-                                        <p:strVal val="visible"/>
-                                      </p:to>
-                                    </p:set>
-                                    <p:animEffect transition="in" filter="fade">
-                                      <p:cBhvr>
-                                        <p:cTn id="12" dur="500"/>
-                                        <p:tgtEl>
-                                          <p:spTgt spid="3">
-                                            <p:txEl>
-                                              <p:pRg st="1" end="1"/>
-                                            </p:txEl>
-                                          </p:spTgt>
-                                        </p:tgtEl>
-                                      </p:cBhvr>
-                                    </p:animEffect>
-                                  </p:childTnLst>
-                                </p:cTn>
-                              </p:par>
-                              <p:par>
-                                <p:cTn id="13" presetID="10" presetClass="entr" presetSubtype="0" fill="hold" grpId="0" nodeType="withEffect">
-                                  <p:stCondLst>
-                                    <p:cond delay="0"/>
-                                  </p:stCondLst>
-                                  <p:childTnLst>
-                                    <p:set>
-                                      <p:cBhvr>
-                                        <p:cTn id="14" dur="1" fill="hold">
-                                          <p:stCondLst>
-                                            <p:cond delay="0"/>
-                                          </p:stCondLst>
-                                        </p:cTn>
-                                        <p:tgtEl>
-                                          <p:spTgt spid="3">
-                                            <p:txEl>
-                                              <p:pRg st="2" end="2"/>
-                                            </p:txEl>
-                                          </p:spTgt>
-                                        </p:tgtEl>
-                                        <p:attrNameLst>
-                                          <p:attrName>style.visibility</p:attrName>
-                                        </p:attrNameLst>
-                                      </p:cBhvr>
-                                      <p:to>
-                                        <p:strVal val="visible"/>
-                                      </p:to>
-                                    </p:set>
-                                    <p:animEffect transition="in" filter="fade">
-                                      <p:cBhvr>
-                                        <p:cTn id="15" dur="500"/>
-                                        <p:tgtEl>
-                                          <p:spTgt spid="3">
-                                            <p:txEl>
-                                              <p:pRg st="2" end="2"/>
-                                            </p:txEl>
-                                          </p:spTgt>
-                                        </p:tgtEl>
-                                      </p:cBhvr>
-                                    </p:animEffect>
-                                  </p:childTnLst>
-                                </p:cTn>
-                              </p:par>
-                              <p:par>
-                                <p:cTn id="16" presetID="10" presetClass="entr" presetSubtype="0" fill="hold" grpId="0" nodeType="withEffect">
-                                  <p:stCondLst>
-                                    <p:cond delay="0"/>
-                                  </p:stCondLst>
-                                  <p:childTnLst>
-                                    <p:set>
-                                      <p:cBhvr>
-                                        <p:cTn id="17" dur="1" fill="hold">
-                                          <p:stCondLst>
-                                            <p:cond delay="0"/>
-                                          </p:stCondLst>
-                                        </p:cTn>
-                                        <p:tgtEl>
-                                          <p:spTgt spid="3">
-                                            <p:txEl>
-                                              <p:pRg st="3" end="3"/>
-                                            </p:txEl>
-                                          </p:spTgt>
-                                        </p:tgtEl>
-                                        <p:attrNameLst>
-                                          <p:attrName>style.visibility</p:attrName>
-                                        </p:attrNameLst>
-                                      </p:cBhvr>
-                                      <p:to>
-                                        <p:strVal val="visible"/>
-                                      </p:to>
-                                    </p:set>
-                                    <p:animEffect transition="in" filter="fade">
-                                      <p:cBhvr>
-                                        <p:cTn id="18" dur="500"/>
-                                        <p:tgtEl>
-                                          <p:spTgt spid="3">
-                                            <p:txEl>
-                                              <p:pRg st="3" end="3"/>
-                                            </p:txEl>
-                                          </p:spTgt>
-                                        </p:tgtEl>
-                                      </p:cBhvr>
-                                    </p:animEffect>
-                                  </p:childTnLst>
-                                </p:cTn>
-                              </p:par>
-                            </p:childTnLst>
-                          </p:cTn>
-                        </p:par>
-                      </p:childTnLst>
-                    </p:cTn>
-                  </p:par>
-                </p:childTnLst>
-              </p:cTn>
-              <p:prevCondLst>
-                <p:cond evt="onPrev" delay="0">
-                  <p:tgtEl>
-                    <p:sldTgt/>
-                  </p:tgtEl>
-                </p:cond>
-              </p:prevCondLst>
-              <p:nextCondLst>
-                <p:cond evt="onNext" delay="0">
-                  <p:tgtEl>
-                    <p:sldTgt/>
-                  </p:tgtEl>
-                </p:cond>
-              </p:nextCondLst>
-            </p:seq>
-          </p:childTnLst>
-        </p:cTn>
-      </p:par>
-    </p:tnLst>
-    <p:bldLst>
-      <p:bldP spid="3" grpId="0" build="p"/>
-    </p:bldLst>
-  </p:timing>
-</p:sld>
-</file>
-
-<file path=ppt/slides/slide2.xml><?xml version="1.0" encoding="utf-8"?>
-<p:sld xmlns:a="http://schemas.openxmlformats.org/drawingml/2006/main" xmlns:r="http://schemas.openxmlformats.org/officeDocument/2006/relationships" xmlns:p="http://schemas.openxmlformats.org/presentationml/2006/main">
-  <p:cSld>
-    <p:spTree>
-      <p:nvGrpSpPr>
-        <p:cNvPr id="1" name=""/>
-        <p:cNvGrpSpPr/>
-        <p:nvPr/>
-      </p:nvGrpSpPr>
-      <p:grpSpPr>
-        <a:xfrm>
-          <a:off x="0" y="0"/>
-          <a:ext cx="0" cy="0"/>
-          <a:chOff x="0" y="0"/>
-          <a:chExt cx="0" cy="0"/>
-        </a:xfrm>
-      </p:grpSpPr>
-      <p:sp>
-        <p:nvSpPr>
-          <p:cNvPr id="2" name="Titel 1"/>
-          <p:cNvSpPr>
-            <a:spLocks noGrp="1"/>
-          </p:cNvSpPr>
-          <p:nvPr>
-            <p:ph type="title"/>
-          </p:nvPr>
-        </p:nvSpPr>
-        <p:spPr/>
-        <p:txBody>
-          <a:bodyPr/>
-          <a:lstStyle/>
-          <a:p>
-            <a:r>
-              <a:rPr lang="de-AT" dirty="0"/>
-              <a:t>CSS </a:t>
-            </a:r>
-            <a:r>
-              <a:rPr lang="de-AT" dirty="0" err="1"/>
-              <a:t>Flexbox</a:t>
-            </a:r>
-            <a:r>
-              <a:rPr lang="de-AT" dirty="0"/>
-              <a:t> </a:t>
-            </a:r>
-            <a:r>
-              <a:rPr lang="de-AT" dirty="0" err="1"/>
-              <a:t>vs</a:t>
-            </a:r>
-            <a:r>
-              <a:rPr lang="de-AT" dirty="0"/>
-              <a:t> </a:t>
-            </a:r>
-            <a:r>
-              <a:rPr lang="de-AT" dirty="0" err="1"/>
-              <a:t>other</a:t>
-            </a:r>
-            <a:r>
-              <a:rPr lang="de-AT" dirty="0"/>
-              <a:t> Layouts</a:t>
-            </a:r>
-            <a:endParaRPr lang="en-US" dirty="0"/>
-          </a:p>
-        </p:txBody>
-      </p:sp>
-      <p:sp>
-        <p:nvSpPr>
-          <p:cNvPr id="3" name="Inhaltsplatzhalter 2"/>
-          <p:cNvSpPr>
-            <a:spLocks noGrp="1"/>
-          </p:cNvSpPr>
-          <p:nvPr>
-            <p:ph idx="1"/>
-          </p:nvPr>
-        </p:nvSpPr>
-        <p:spPr>
-          <a:xfrm>
-            <a:off x="1181100" y="1869653"/>
-            <a:ext cx="5729969" cy="4988347"/>
-          </a:xfrm>
-        </p:spPr>
-        <p:txBody>
-          <a:bodyPr>
-            <a:normAutofit/>
-          </a:bodyPr>
-          <a:lstStyle/>
-          <a:p>
-            <a:r>
-              <a:rPr lang="de-DE" dirty="0"/>
-              <a:t>Ressource: 3.CSS/Codebeispiele/Layout/</a:t>
-            </a:r>
-            <a:endParaRPr lang="en-US" dirty="0"/>
-          </a:p>
-        </p:txBody>
-      </p:sp>
-      <p:pic>
-        <p:nvPicPr>
-          <p:cNvPr id="5" name="Grafik 4">
-            <a:extLst>
-              <a:ext uri="{FF2B5EF4-FFF2-40B4-BE49-F238E27FC236}">
-                <a16:creationId xmlns:a16="http://schemas.microsoft.com/office/drawing/2014/main" id="{F9EDBB7D-5B47-58A4-77DE-954353DDB123}"/>
-              </a:ext>
-            </a:extLst>
-          </p:cNvPr>
-          <p:cNvPicPr>
-            <a:picLocks noChangeAspect="1"/>
-          </p:cNvPicPr>
-          <p:nvPr/>
-        </p:nvPicPr>
-        <p:blipFill>
-          <a:blip r:embed="rId2"/>
-          <a:stretch>
-            <a:fillRect/>
-          </a:stretch>
-        </p:blipFill>
-        <p:spPr>
-          <a:xfrm>
-            <a:off x="1411811" y="2667370"/>
-            <a:ext cx="9888330" cy="2724530"/>
-          </a:xfrm>
-          <a:prstGeom prst="rect">
-            <a:avLst/>
-          </a:prstGeom>
-        </p:spPr>
-      </p:pic>
-    </p:spTree>
-    <p:extLst>
-      <p:ext uri="{BB962C8B-B14F-4D97-AF65-F5344CB8AC3E}">
-        <p14:creationId xmlns:p14="http://schemas.microsoft.com/office/powerpoint/2010/main" val="3282855946"/>
-      </p:ext>
-    </p:extLst>
-  </p:cSld>
-  <p:clrMapOvr>
-    <a:masterClrMapping/>
-  </p:clrMapOvr>
-  <p:timing>
-    <p:tnLst>
-      <p:par>
-        <p:cTn id="1" dur="indefinite" restart="never" nodeType="tmRoot">
-          <p:childTnLst>
-            <p:seq concurrent="1" nextAc="seek">
-              <p:cTn id="2" dur="indefinite" nodeType="mainSeq">
-                <p:childTnLst>
-                  <p:par>
-                    <p:cTn id="3" fill="hold">
-                      <p:stCondLst>
-                        <p:cond delay="indefinite"/>
-                      </p:stCondLst>
-                      <p:childTnLst>
-                        <p:par>
-                          <p:cTn id="4" fill="hold">
-                            <p:stCondLst>
-                              <p:cond delay="0"/>
-                            </p:stCondLst>
-                            <p:childTnLst>
-                              <p:par>
-                                <p:cTn id="5" presetID="10" presetClass="entr" presetSubtype="0" fill="hold" grpId="0" nodeType="clickEffect">
-                                  <p:stCondLst>
-                                    <p:cond delay="0"/>
-                                  </p:stCondLst>
-                                  <p:childTnLst>
-                                    <p:set>
-                                      <p:cBhvr>
-                                        <p:cTn id="6" dur="1" fill="hold">
-                                          <p:stCondLst>
-                                            <p:cond delay="0"/>
-                                          </p:stCondLst>
-                                        </p:cTn>
-                                        <p:tgtEl>
-                                          <p:spTgt spid="3">
-                                            <p:txEl>
-                                              <p:pRg st="0" end="0"/>
-                                            </p:txEl>
-                                          </p:spTgt>
-                                        </p:tgtEl>
-                                        <p:attrNameLst>
-                                          <p:attrName>style.visibility</p:attrName>
-                                        </p:attrNameLst>
-                                      </p:cBhvr>
-                                      <p:to>
-                                        <p:strVal val="visible"/>
-                                      </p:to>
-                                    </p:set>
-                                    <p:animEffect transition="in" filter="fade">
-                                      <p:cBhvr>
-                                        <p:cTn id="7" dur="500"/>
-                                        <p:tgtEl>
-                                          <p:spTgt spid="3">
-                                            <p:txEl>
-                                              <p:pRg st="0" end="0"/>
-                                            </p:txEl>
-                                          </p:spTgt>
-                                        </p:tgtEl>
-                                      </p:cBhvr>
-                                    </p:animEffect>
-                                  </p:childTnLst>
-                                </p:cTn>
-                              </p:par>
-                            </p:childTnLst>
-                          </p:cTn>
-                        </p:par>
-                      </p:childTnLst>
-                    </p:cTn>
-                  </p:par>
-                </p:childTnLst>
-              </p:cTn>
-              <p:prevCondLst>
-                <p:cond evt="onPrev" delay="0">
-                  <p:tgtEl>
-                    <p:sldTgt/>
-                  </p:tgtEl>
-                </p:cond>
-              </p:prevCondLst>
-              <p:nextCondLst>
-                <p:cond evt="onNext" delay="0">
-                  <p:tgtEl>
-                    <p:sldTgt/>
-                  </p:tgtEl>
-                </p:cond>
-              </p:nextCondLst>
-            </p:seq>
-          </p:childTnLst>
-        </p:cTn>
-      </p:par>
-    </p:tnLst>
-    <p:bldLst>
-      <p:bldP spid="3" grpId="0" build="p"/>
-    </p:bldLst>
-  </p:timing>
-</p:sld>
-</file>
-
-<file path=ppt/slides/slide20.xml><?xml version="1.0" encoding="utf-8"?>
-<p:sld xmlns:a="http://schemas.openxmlformats.org/drawingml/2006/main" xmlns:r="http://schemas.openxmlformats.org/officeDocument/2006/relationships" xmlns:p="http://schemas.openxmlformats.org/presentationml/2006/main">
-  <p:cSld>
-    <p:spTree>
-      <p:nvGrpSpPr>
-        <p:cNvPr id="1" name=""/>
-        <p:cNvGrpSpPr/>
-        <p:nvPr/>
-      </p:nvGrpSpPr>
-      <p:grpSpPr>
-        <a:xfrm>
-          <a:off x="0" y="0"/>
-          <a:ext cx="0" cy="0"/>
-          <a:chOff x="0" y="0"/>
-          <a:chExt cx="0" cy="0"/>
-        </a:xfrm>
-      </p:grpSpPr>
-      <p:sp>
-        <p:nvSpPr>
-          <p:cNvPr id="2" name="Titel 1"/>
-          <p:cNvSpPr>
-            <a:spLocks noGrp="1"/>
-          </p:cNvSpPr>
-          <p:nvPr>
-            <p:ph type="title"/>
-          </p:nvPr>
-        </p:nvSpPr>
-        <p:spPr/>
-        <p:txBody>
-          <a:bodyPr/>
-          <a:lstStyle/>
-          <a:p>
-            <a:r>
-              <a:rPr lang="de-AT" dirty="0"/>
-              <a:t>CSS </a:t>
-            </a:r>
-            <a:r>
-              <a:rPr lang="de-AT" dirty="0" err="1"/>
-              <a:t>Flexbox</a:t>
-            </a:r>
-            <a:r>
-              <a:rPr lang="de-AT" dirty="0"/>
-              <a:t>: flex</a:t>
-            </a:r>
-            <a:endParaRPr lang="en-US" dirty="0"/>
-          </a:p>
-        </p:txBody>
-      </p:sp>
-      <p:sp>
-        <p:nvSpPr>
-          <p:cNvPr id="3" name="Inhaltsplatzhalter 2"/>
-          <p:cNvSpPr>
-            <a:spLocks noGrp="1"/>
-          </p:cNvSpPr>
-          <p:nvPr>
-            <p:ph idx="1"/>
-          </p:nvPr>
-        </p:nvSpPr>
-        <p:spPr>
-          <a:xfrm>
-            <a:off x="1181100" y="1934308"/>
-            <a:ext cx="5729969" cy="4137259"/>
-          </a:xfrm>
-        </p:spPr>
-        <p:txBody>
-          <a:bodyPr>
-            <a:normAutofit fontScale="92500" lnSpcReduction="20000"/>
-          </a:bodyPr>
-          <a:lstStyle/>
-          <a:p>
-            <a:r>
-              <a:rPr lang="de-AT" dirty="0"/>
-              <a:t>Die Eigenschaft `flex` ist eine verkürzte Schreibweise, um die Eigenschaften `flex-</a:t>
-            </a:r>
-            <a:r>
-              <a:rPr lang="de-AT" dirty="0" err="1"/>
-              <a:t>grow</a:t>
-            </a:r>
-            <a:r>
-              <a:rPr lang="de-AT" dirty="0"/>
-              <a:t>`, `flex-</a:t>
-            </a:r>
-            <a:r>
-              <a:rPr lang="de-AT" dirty="0" err="1"/>
-              <a:t>shrink</a:t>
-            </a:r>
-            <a:r>
-              <a:rPr lang="de-AT" dirty="0"/>
-              <a:t>` und `flex-basis` in einer Zeile zu setzen. Sie erlaubt es, die </a:t>
-            </a:r>
-            <a:r>
-              <a:rPr lang="de-AT" dirty="0" err="1"/>
-              <a:t>Flexeigenschaften</a:t>
-            </a:r>
-            <a:r>
-              <a:rPr lang="de-AT" dirty="0"/>
-              <a:t> für </a:t>
-            </a:r>
-            <a:r>
-              <a:rPr lang="de-AT" dirty="0" err="1"/>
-              <a:t>Flexelemente</a:t>
-            </a:r>
-            <a:r>
-              <a:rPr lang="de-AT" dirty="0"/>
-              <a:t> auf eine kompakte Weise zu definieren.</a:t>
-            </a:r>
-          </a:p>
-          <a:p>
-            <a:r>
-              <a:rPr lang="de-AT" dirty="0"/>
-              <a:t>Die Syntax der `flex`-Eigenschaft ist:</a:t>
-            </a:r>
-          </a:p>
-          <a:p>
-            <a:r>
-              <a:rPr lang="de-AT" dirty="0"/>
-              <a:t>flex: [flex-</a:t>
-            </a:r>
-            <a:r>
-              <a:rPr lang="de-AT" dirty="0" err="1"/>
-              <a:t>grow</a:t>
-            </a:r>
-            <a:r>
-              <a:rPr lang="de-AT" dirty="0"/>
-              <a:t>] [flex-</a:t>
-            </a:r>
-            <a:r>
-              <a:rPr lang="de-AT" dirty="0" err="1"/>
-              <a:t>shrink</a:t>
-            </a:r>
-            <a:r>
-              <a:rPr lang="de-AT" dirty="0"/>
-              <a:t>] [flex-basis]</a:t>
-            </a:r>
-          </a:p>
-          <a:p>
-            <a:r>
-              <a:rPr lang="de-AT" dirty="0"/>
-              <a:t>Es wird empfohlen, die flex-Shorthand-Eigenschaft zu verwenden, anstatt die einzelnen Eigenschaften (flex-</a:t>
-            </a:r>
-            <a:r>
-              <a:rPr lang="de-AT" dirty="0" err="1"/>
-              <a:t>grow</a:t>
-            </a:r>
-            <a:r>
-              <a:rPr lang="de-AT" dirty="0"/>
-              <a:t>, flex-</a:t>
-            </a:r>
-            <a:r>
-              <a:rPr lang="de-AT" dirty="0" err="1"/>
-              <a:t>shrink</a:t>
-            </a:r>
-            <a:r>
-              <a:rPr lang="de-AT" dirty="0"/>
-              <a:t> und flex-basis) separat festzulegen. </a:t>
-            </a:r>
-          </a:p>
-          <a:p>
-            <a:r>
-              <a:rPr lang="de-AT" dirty="0"/>
-              <a:t>Die flex-Shorthand-Eigenschaft sorgt dafür, dass die anderen Werte intelligent gesetzt werden, was zu kürzerem und besser lesbarem CSS-Code führt. </a:t>
-            </a:r>
-          </a:p>
-          <a:p>
-            <a:endParaRPr lang="de-AT" dirty="0"/>
-          </a:p>
-          <a:p>
-            <a:endParaRPr lang="de-AT" dirty="0"/>
-          </a:p>
-          <a:p>
-            <a:endParaRPr lang="de-AT" dirty="0"/>
-          </a:p>
-          <a:p>
-            <a:endParaRPr lang="de-AT" dirty="0"/>
-          </a:p>
-        </p:txBody>
-      </p:sp>
-      <p:pic>
-        <p:nvPicPr>
-          <p:cNvPr id="5" name="Grafik 4">
-            <a:extLst>
-              <a:ext uri="{FF2B5EF4-FFF2-40B4-BE49-F238E27FC236}">
-                <a16:creationId xmlns:a16="http://schemas.microsoft.com/office/drawing/2014/main" id="{3ED6B717-615B-98D2-EBE7-9FBD909F53A8}"/>
-              </a:ext>
-            </a:extLst>
-          </p:cNvPr>
-          <p:cNvPicPr>
-            <a:picLocks noChangeAspect="1"/>
-          </p:cNvPicPr>
-          <p:nvPr/>
-        </p:nvPicPr>
-        <p:blipFill>
-          <a:blip r:embed="rId2"/>
-          <a:stretch>
-            <a:fillRect/>
-          </a:stretch>
-        </p:blipFill>
-        <p:spPr>
-          <a:xfrm>
-            <a:off x="7833311" y="1075764"/>
-            <a:ext cx="3775872" cy="1546743"/>
-          </a:xfrm>
-          <a:prstGeom prst="rect">
-            <a:avLst/>
-          </a:prstGeom>
-        </p:spPr>
-      </p:pic>
-      <p:pic>
-        <p:nvPicPr>
-          <p:cNvPr id="9" name="Grafik 8">
-            <a:extLst>
-              <a:ext uri="{FF2B5EF4-FFF2-40B4-BE49-F238E27FC236}">
-                <a16:creationId xmlns:a16="http://schemas.microsoft.com/office/drawing/2014/main" id="{AFDF33BD-A0CE-DDE2-3983-DA2E6B0C72D1}"/>
-              </a:ext>
-            </a:extLst>
-          </p:cNvPr>
-          <p:cNvPicPr>
-            <a:picLocks noChangeAspect="1"/>
-          </p:cNvPicPr>
-          <p:nvPr/>
-        </p:nvPicPr>
-        <p:blipFill>
-          <a:blip r:embed="rId3"/>
-          <a:stretch>
-            <a:fillRect/>
-          </a:stretch>
-        </p:blipFill>
-        <p:spPr>
-          <a:xfrm>
-            <a:off x="7387206" y="3295651"/>
-            <a:ext cx="4662240" cy="1644358"/>
-          </a:xfrm>
-          <a:prstGeom prst="rect">
-            <a:avLst/>
-          </a:prstGeom>
-        </p:spPr>
-      </p:pic>
-    </p:spTree>
-    <p:extLst>
-      <p:ext uri="{BB962C8B-B14F-4D97-AF65-F5344CB8AC3E}">
-        <p14:creationId xmlns:p14="http://schemas.microsoft.com/office/powerpoint/2010/main" val="1293383277"/>
-      </p:ext>
-    </p:extLst>
-  </p:cSld>
-  <p:clrMapOvr>
-    <a:masterClrMapping/>
-  </p:clrMapOvr>
-  <p:timing>
-    <p:tnLst>
-      <p:par>
-        <p:cTn id="1" dur="indefinite" restart="never" nodeType="tmRoot">
-          <p:childTnLst>
-            <p:seq concurrent="1" nextAc="seek">
-              <p:cTn id="2" dur="indefinite" nodeType="mainSeq">
-                <p:childTnLst>
-                  <p:par>
-                    <p:cTn id="3" fill="hold">
-                      <p:stCondLst>
-                        <p:cond delay="indefinite"/>
-                      </p:stCondLst>
-                      <p:childTnLst>
-                        <p:par>
-                          <p:cTn id="4" fill="hold">
-                            <p:stCondLst>
-                              <p:cond delay="0"/>
-                            </p:stCondLst>
-                            <p:childTnLst>
-                              <p:par>
-                                <p:cTn id="5" presetID="10" presetClass="entr" presetSubtype="0" fill="hold" grpId="0" nodeType="clickEffect">
-                                  <p:stCondLst>
-                                    <p:cond delay="0"/>
-                                  </p:stCondLst>
-                                  <p:childTnLst>
-                                    <p:set>
-                                      <p:cBhvr>
-                                        <p:cTn id="6" dur="1" fill="hold">
-                                          <p:stCondLst>
-                                            <p:cond delay="0"/>
-                                          </p:stCondLst>
-                                        </p:cTn>
-                                        <p:tgtEl>
-                                          <p:spTgt spid="3">
-                                            <p:txEl>
-                                              <p:pRg st="0" end="0"/>
-                                            </p:txEl>
-                                          </p:spTgt>
-                                        </p:tgtEl>
-                                        <p:attrNameLst>
-                                          <p:attrName>style.visibility</p:attrName>
-                                        </p:attrNameLst>
-                                      </p:cBhvr>
-                                      <p:to>
-                                        <p:strVal val="visible"/>
-                                      </p:to>
-                                    </p:set>
-                                    <p:animEffect transition="in" filter="fade">
-                                      <p:cBhvr>
-                                        <p:cTn id="7" dur="500"/>
-                                        <p:tgtEl>
-                                          <p:spTgt spid="3">
-                                            <p:txEl>
-                                              <p:pRg st="0" end="0"/>
-                                            </p:txEl>
-                                          </p:spTgt>
-                                        </p:tgtEl>
-                                      </p:cBhvr>
-                                    </p:animEffect>
-                                  </p:childTnLst>
-                                </p:cTn>
-                              </p:par>
-                            </p:childTnLst>
-                          </p:cTn>
-                        </p:par>
-                      </p:childTnLst>
-                    </p:cTn>
-                  </p:par>
-                  <p:par>
-                    <p:cTn id="8" fill="hold">
-                      <p:stCondLst>
-                        <p:cond delay="indefinite"/>
-                      </p:stCondLst>
-                      <p:childTnLst>
-                        <p:par>
-                          <p:cTn id="9" fill="hold">
-                            <p:stCondLst>
-                              <p:cond delay="0"/>
-                            </p:stCondLst>
-                            <p:childTnLst>
-                              <p:par>
-                                <p:cTn id="10" presetID="10" presetClass="entr" presetSubtype="0" fill="hold" grpId="0" nodeType="clickEffect">
-                                  <p:stCondLst>
-                                    <p:cond delay="0"/>
-                                  </p:stCondLst>
-                                  <p:childTnLst>
-                                    <p:set>
-                                      <p:cBhvr>
-                                        <p:cTn id="11" dur="1" fill="hold">
-                                          <p:stCondLst>
-                                            <p:cond delay="0"/>
-                                          </p:stCondLst>
-                                        </p:cTn>
-                                        <p:tgtEl>
-                                          <p:spTgt spid="3">
-                                            <p:txEl>
-                                              <p:pRg st="1" end="1"/>
-                                            </p:txEl>
-                                          </p:spTgt>
-                                        </p:tgtEl>
-                                        <p:attrNameLst>
-                                          <p:attrName>style.visibility</p:attrName>
-                                        </p:attrNameLst>
-                                      </p:cBhvr>
-                                      <p:to>
-                                        <p:strVal val="visible"/>
-                                      </p:to>
-                                    </p:set>
-                                    <p:animEffect transition="in" filter="fade">
-                                      <p:cBhvr>
-                                        <p:cTn id="12" dur="500"/>
-                                        <p:tgtEl>
-                                          <p:spTgt spid="3">
-                                            <p:txEl>
-                                              <p:pRg st="1" end="1"/>
-                                            </p:txEl>
-                                          </p:spTgt>
-                                        </p:tgtEl>
-                                      </p:cBhvr>
-                                    </p:animEffect>
-                                  </p:childTnLst>
-                                </p:cTn>
-                              </p:par>
-                            </p:childTnLst>
-                          </p:cTn>
-                        </p:par>
-                      </p:childTnLst>
-                    </p:cTn>
-                  </p:par>
-                  <p:par>
-                    <p:cTn id="13" fill="hold">
-                      <p:stCondLst>
-                        <p:cond delay="indefinite"/>
-                      </p:stCondLst>
-                      <p:childTnLst>
-                        <p:par>
-                          <p:cTn id="14" fill="hold">
-                            <p:stCondLst>
-                              <p:cond delay="0"/>
-                            </p:stCondLst>
-                            <p:childTnLst>
-                              <p:par>
-                                <p:cTn id="15" presetID="10" presetClass="entr" presetSubtype="0" fill="hold" grpId="0" nodeType="clickEffect">
-                                  <p:stCondLst>
-                                    <p:cond delay="0"/>
-                                  </p:stCondLst>
-                                  <p:childTnLst>
-                                    <p:set>
-                                      <p:cBhvr>
-                                        <p:cTn id="16" dur="1" fill="hold">
-                                          <p:stCondLst>
-                                            <p:cond delay="0"/>
-                                          </p:stCondLst>
-                                        </p:cTn>
-                                        <p:tgtEl>
-                                          <p:spTgt spid="3">
-                                            <p:txEl>
-                                              <p:pRg st="2" end="2"/>
-                                            </p:txEl>
-                                          </p:spTgt>
-                                        </p:tgtEl>
-                                        <p:attrNameLst>
-                                          <p:attrName>style.visibility</p:attrName>
-                                        </p:attrNameLst>
-                                      </p:cBhvr>
-                                      <p:to>
-                                        <p:strVal val="visible"/>
-                                      </p:to>
-                                    </p:set>
-                                    <p:animEffect transition="in" filter="fade">
-                                      <p:cBhvr>
-                                        <p:cTn id="17" dur="500"/>
-                                        <p:tgtEl>
-                                          <p:spTgt spid="3">
-                                            <p:txEl>
-                                              <p:pRg st="2" end="2"/>
-                                            </p:txEl>
-                                          </p:spTgt>
-                                        </p:tgtEl>
-                                      </p:cBhvr>
-                                    </p:animEffect>
-                                  </p:childTnLst>
-                                </p:cTn>
-                              </p:par>
-                            </p:childTnLst>
-                          </p:cTn>
-                        </p:par>
-                      </p:childTnLst>
-                    </p:cTn>
-                  </p:par>
-                  <p:par>
-                    <p:cTn id="18" fill="hold">
-                      <p:stCondLst>
-                        <p:cond delay="indefinite"/>
-                      </p:stCondLst>
-                      <p:childTnLst>
-                        <p:par>
-                          <p:cTn id="19" fill="hold">
-                            <p:stCondLst>
-                              <p:cond delay="0"/>
-                            </p:stCondLst>
-                            <p:childTnLst>
-                              <p:par>
-                                <p:cTn id="20" presetID="10" presetClass="entr" presetSubtype="0" fill="hold" grpId="0" nodeType="clickEffect">
-                                  <p:stCondLst>
-                                    <p:cond delay="0"/>
-                                  </p:stCondLst>
-                                  <p:childTnLst>
-                                    <p:set>
-                                      <p:cBhvr>
-                                        <p:cTn id="21" dur="1" fill="hold">
-                                          <p:stCondLst>
-                                            <p:cond delay="0"/>
-                                          </p:stCondLst>
-                                        </p:cTn>
-                                        <p:tgtEl>
-                                          <p:spTgt spid="3">
-                                            <p:txEl>
-                                              <p:pRg st="3" end="3"/>
-                                            </p:txEl>
-                                          </p:spTgt>
-                                        </p:tgtEl>
-                                        <p:attrNameLst>
-                                          <p:attrName>style.visibility</p:attrName>
-                                        </p:attrNameLst>
-                                      </p:cBhvr>
-                                      <p:to>
-                                        <p:strVal val="visible"/>
-                                      </p:to>
-                                    </p:set>
-                                    <p:animEffect transition="in" filter="fade">
-                                      <p:cBhvr>
-                                        <p:cTn id="22" dur="500"/>
-                                        <p:tgtEl>
-                                          <p:spTgt spid="3">
-                                            <p:txEl>
-                                              <p:pRg st="3" end="3"/>
-                                            </p:txEl>
-                                          </p:spTgt>
-                                        </p:tgtEl>
-                                      </p:cBhvr>
-                                    </p:animEffect>
-                                  </p:childTnLst>
-                                </p:cTn>
-                              </p:par>
-                            </p:childTnLst>
-                          </p:cTn>
-                        </p:par>
-                      </p:childTnLst>
-                    </p:cTn>
-                  </p:par>
-                  <p:par>
-                    <p:cTn id="23" fill="hold">
-                      <p:stCondLst>
-                        <p:cond delay="indefinite"/>
-                      </p:stCondLst>
-                      <p:childTnLst>
-                        <p:par>
-                          <p:cTn id="24" fill="hold">
-                            <p:stCondLst>
-                              <p:cond delay="0"/>
-                            </p:stCondLst>
-                            <p:childTnLst>
-                              <p:par>
-                                <p:cTn id="25" presetID="10" presetClass="entr" presetSubtype="0" fill="hold" grpId="0" nodeType="clickEffect">
-                                  <p:stCondLst>
-                                    <p:cond delay="0"/>
-                                  </p:stCondLst>
-                                  <p:childTnLst>
-                                    <p:set>
-                                      <p:cBhvr>
-                                        <p:cTn id="26" dur="1" fill="hold">
-                                          <p:stCondLst>
-                                            <p:cond delay="0"/>
-                                          </p:stCondLst>
-                                        </p:cTn>
-                                        <p:tgtEl>
-                                          <p:spTgt spid="3">
-                                            <p:txEl>
-                                              <p:pRg st="4" end="4"/>
-                                            </p:txEl>
-                                          </p:spTgt>
-                                        </p:tgtEl>
-                                        <p:attrNameLst>
-                                          <p:attrName>style.visibility</p:attrName>
-                                        </p:attrNameLst>
-                                      </p:cBhvr>
-                                      <p:to>
-                                        <p:strVal val="visible"/>
-                                      </p:to>
-                                    </p:set>
-                                    <p:animEffect transition="in" filter="fade">
-                                      <p:cBhvr>
-                                        <p:cTn id="27" dur="500"/>
-                                        <p:tgtEl>
-                                          <p:spTgt spid="3">
-                                            <p:txEl>
-                                              <p:pRg st="4" end="4"/>
-                                            </p:txEl>
-                                          </p:spTgt>
-                                        </p:tgtEl>
-                                      </p:cBhvr>
-                                    </p:animEffect>
-                                  </p:childTnLst>
-                                </p:cTn>
-                              </p:par>
-                            </p:childTnLst>
-                          </p:cTn>
-                        </p:par>
-                      </p:childTnLst>
-                    </p:cTn>
-                  </p:par>
-                </p:childTnLst>
-              </p:cTn>
-              <p:prevCondLst>
-                <p:cond evt="onPrev" delay="0">
-                  <p:tgtEl>
-                    <p:sldTgt/>
-                  </p:tgtEl>
-                </p:cond>
-              </p:prevCondLst>
-              <p:nextCondLst>
-                <p:cond evt="onNext" delay="0">
-                  <p:tgtEl>
-                    <p:sldTgt/>
-                  </p:tgtEl>
-                </p:cond>
-              </p:nextCondLst>
-            </p:seq>
-          </p:childTnLst>
-        </p:cTn>
-      </p:par>
-    </p:tnLst>
-    <p:bldLst>
-      <p:bldP spid="3" grpId="0" build="p"/>
-    </p:bldLst>
-  </p:timing>
-</p:sld>
-</file>
-
-<file path=ppt/slides/slide21.xml><?xml version="1.0" encoding="utf-8"?>
-<p:sld xmlns:a="http://schemas.openxmlformats.org/drawingml/2006/main" xmlns:r="http://schemas.openxmlformats.org/officeDocument/2006/relationships" xmlns:p="http://schemas.openxmlformats.org/presentationml/2006/main">
-  <p:cSld>
-    <p:spTree>
-      <p:nvGrpSpPr>
-        <p:cNvPr id="1" name=""/>
-        <p:cNvGrpSpPr/>
-        <p:nvPr/>
-      </p:nvGrpSpPr>
-      <p:grpSpPr>
-        <a:xfrm>
-          <a:off x="0" y="0"/>
-          <a:ext cx="0" cy="0"/>
-          <a:chOff x="0" y="0"/>
-          <a:chExt cx="0" cy="0"/>
-        </a:xfrm>
-      </p:grpSpPr>
-      <p:sp>
-        <p:nvSpPr>
-          <p:cNvPr id="2" name="Titel 1"/>
-          <p:cNvSpPr>
-            <a:spLocks noGrp="1"/>
-          </p:cNvSpPr>
-          <p:nvPr>
-            <p:ph type="title"/>
-          </p:nvPr>
-        </p:nvSpPr>
-        <p:spPr/>
-        <p:txBody>
-          <a:bodyPr/>
-          <a:lstStyle/>
-          <a:p>
-            <a:r>
-              <a:rPr lang="de-AT" dirty="0"/>
-              <a:t>CSS </a:t>
-            </a:r>
-            <a:r>
-              <a:rPr lang="de-AT" dirty="0" err="1"/>
-              <a:t>Flexbox</a:t>
-            </a:r>
-            <a:r>
-              <a:rPr lang="de-AT" dirty="0"/>
-              <a:t>: </a:t>
-            </a:r>
-            <a:r>
-              <a:rPr lang="de-AT" dirty="0" err="1"/>
-              <a:t>align-self</a:t>
-            </a:r>
-            <a:endParaRPr lang="en-US" dirty="0"/>
-          </a:p>
-        </p:txBody>
-      </p:sp>
-      <p:sp>
-        <p:nvSpPr>
-          <p:cNvPr id="3" name="Inhaltsplatzhalter 2"/>
-          <p:cNvSpPr>
-            <a:spLocks noGrp="1"/>
-          </p:cNvSpPr>
-          <p:nvPr>
-            <p:ph idx="1"/>
-          </p:nvPr>
-        </p:nvSpPr>
-        <p:spPr>
-          <a:xfrm>
-            <a:off x="1181100" y="1934308"/>
-            <a:ext cx="5729969" cy="4137259"/>
-          </a:xfrm>
-        </p:spPr>
-        <p:txBody>
-          <a:bodyPr>
-            <a:normAutofit/>
-          </a:bodyPr>
-          <a:lstStyle/>
-          <a:p>
-            <a:r>
-              <a:rPr lang="de-AT" dirty="0"/>
-              <a:t>Legt die Ausrichtung für das ausgewählte Element innerhalb des flexiblen Containers fest.</a:t>
-            </a:r>
-          </a:p>
-          <a:p>
-            <a:endParaRPr lang="de-AT" dirty="0"/>
-          </a:p>
-          <a:p>
-            <a:r>
-              <a:rPr lang="de-AT" dirty="0"/>
-              <a:t>Überschreibt die standardmäßige Ausrichtung, die durch die Eigenschaft </a:t>
-            </a:r>
-            <a:r>
-              <a:rPr lang="de-AT" dirty="0" err="1"/>
-              <a:t>align</a:t>
-            </a:r>
-            <a:r>
-              <a:rPr lang="de-AT" dirty="0"/>
-              <a:t>-items des Containers festgelegt wurde.</a:t>
-            </a:r>
-            <a:endParaRPr lang="de-DE" dirty="0"/>
-          </a:p>
-        </p:txBody>
-      </p:sp>
-      <p:pic>
-        <p:nvPicPr>
-          <p:cNvPr id="5" name="Grafik 4">
-            <a:extLst>
-              <a:ext uri="{FF2B5EF4-FFF2-40B4-BE49-F238E27FC236}">
-                <a16:creationId xmlns:a16="http://schemas.microsoft.com/office/drawing/2014/main" id="{3ED6B717-615B-98D2-EBE7-9FBD909F53A8}"/>
-              </a:ext>
-            </a:extLst>
-          </p:cNvPr>
-          <p:cNvPicPr>
-            <a:picLocks noChangeAspect="1"/>
-          </p:cNvPicPr>
-          <p:nvPr/>
-        </p:nvPicPr>
-        <p:blipFill>
-          <a:blip r:embed="rId2"/>
-          <a:stretch>
-            <a:fillRect/>
-          </a:stretch>
-        </p:blipFill>
-        <p:spPr>
-          <a:xfrm>
-            <a:off x="7833311" y="1075764"/>
-            <a:ext cx="3775872" cy="1546743"/>
-          </a:xfrm>
-          <a:prstGeom prst="rect">
-            <a:avLst/>
-          </a:prstGeom>
-        </p:spPr>
-      </p:pic>
-      <p:pic>
-        <p:nvPicPr>
-          <p:cNvPr id="6" name="Grafik 5">
-            <a:extLst>
-              <a:ext uri="{FF2B5EF4-FFF2-40B4-BE49-F238E27FC236}">
-                <a16:creationId xmlns:a16="http://schemas.microsoft.com/office/drawing/2014/main" id="{158DF4B9-1912-9A0E-06C0-66E84C3F10D3}"/>
-              </a:ext>
-            </a:extLst>
-          </p:cNvPr>
-          <p:cNvPicPr>
-            <a:picLocks noChangeAspect="1"/>
-          </p:cNvPicPr>
-          <p:nvPr/>
-        </p:nvPicPr>
-        <p:blipFill>
-          <a:blip r:embed="rId3"/>
-          <a:stretch>
-            <a:fillRect/>
-          </a:stretch>
-        </p:blipFill>
-        <p:spPr>
-          <a:xfrm>
-            <a:off x="7833311" y="3012471"/>
-            <a:ext cx="3757548" cy="1962275"/>
-          </a:xfrm>
-          <a:prstGeom prst="rect">
-            <a:avLst/>
-          </a:prstGeom>
-        </p:spPr>
-      </p:pic>
-    </p:spTree>
-    <p:extLst>
-      <p:ext uri="{BB962C8B-B14F-4D97-AF65-F5344CB8AC3E}">
-        <p14:creationId xmlns:p14="http://schemas.microsoft.com/office/powerpoint/2010/main" val="3173724530"/>
-      </p:ext>
-    </p:extLst>
-  </p:cSld>
-  <p:clrMapOvr>
-    <a:masterClrMapping/>
-  </p:clrMapOvr>
-  <p:timing>
-    <p:tnLst>
-      <p:par>
-        <p:cTn id="1" dur="indefinite" restart="never" nodeType="tmRoot">
-          <p:childTnLst>
-            <p:seq concurrent="1" nextAc="seek">
-              <p:cTn id="2" dur="indefinite" nodeType="mainSeq">
-                <p:childTnLst>
-                  <p:par>
-                    <p:cTn id="3" fill="hold">
-                      <p:stCondLst>
-                        <p:cond delay="indefinite"/>
-                      </p:stCondLst>
-                      <p:childTnLst>
-                        <p:par>
-                          <p:cTn id="4" fill="hold">
-                            <p:stCondLst>
-                              <p:cond delay="0"/>
-                            </p:stCondLst>
-                            <p:childTnLst>
-                              <p:par>
-                                <p:cTn id="5" presetID="10" presetClass="entr" presetSubtype="0" fill="hold" grpId="0" nodeType="clickEffect">
-                                  <p:stCondLst>
-                                    <p:cond delay="0"/>
-                                  </p:stCondLst>
-                                  <p:childTnLst>
-                                    <p:set>
-                                      <p:cBhvr>
-                                        <p:cTn id="6" dur="1" fill="hold">
-                                          <p:stCondLst>
-                                            <p:cond delay="0"/>
-                                          </p:stCondLst>
-                                        </p:cTn>
-                                        <p:tgtEl>
-                                          <p:spTgt spid="3">
-                                            <p:txEl>
-                                              <p:pRg st="0" end="0"/>
-                                            </p:txEl>
-                                          </p:spTgt>
-                                        </p:tgtEl>
-                                        <p:attrNameLst>
-                                          <p:attrName>style.visibility</p:attrName>
-                                        </p:attrNameLst>
-                                      </p:cBhvr>
-                                      <p:to>
-                                        <p:strVal val="visible"/>
-                                      </p:to>
-                                    </p:set>
-                                    <p:animEffect transition="in" filter="fade">
-                                      <p:cBhvr>
-                                        <p:cTn id="7" dur="500"/>
-                                        <p:tgtEl>
-                                          <p:spTgt spid="3">
-                                            <p:txEl>
-                                              <p:pRg st="0" end="0"/>
-                                            </p:txEl>
-                                          </p:spTgt>
-                                        </p:tgtEl>
-                                      </p:cBhvr>
-                                    </p:animEffect>
-                                  </p:childTnLst>
-                                </p:cTn>
-                              </p:par>
-                            </p:childTnLst>
-                          </p:cTn>
-                        </p:par>
-                      </p:childTnLst>
-                    </p:cTn>
-                  </p:par>
-                  <p:par>
-                    <p:cTn id="8" fill="hold">
-                      <p:stCondLst>
-                        <p:cond delay="indefinite"/>
-                      </p:stCondLst>
-                      <p:childTnLst>
-                        <p:par>
-                          <p:cTn id="9" fill="hold">
-                            <p:stCondLst>
-                              <p:cond delay="0"/>
-                            </p:stCondLst>
-                            <p:childTnLst>
-                              <p:par>
-                                <p:cTn id="10" presetID="10" presetClass="entr" presetSubtype="0" fill="hold" grpId="0" nodeType="clickEffect">
-                                  <p:stCondLst>
-                                    <p:cond delay="0"/>
-                                  </p:stCondLst>
-                                  <p:childTnLst>
-                                    <p:set>
-                                      <p:cBhvr>
-                                        <p:cTn id="11" dur="1" fill="hold">
-                                          <p:stCondLst>
-                                            <p:cond delay="0"/>
-                                          </p:stCondLst>
-                                        </p:cTn>
-                                        <p:tgtEl>
-                                          <p:spTgt spid="3">
-                                            <p:txEl>
-                                              <p:pRg st="2" end="2"/>
-                                            </p:txEl>
-                                          </p:spTgt>
-                                        </p:tgtEl>
-                                        <p:attrNameLst>
-                                          <p:attrName>style.visibility</p:attrName>
-                                        </p:attrNameLst>
-                                      </p:cBhvr>
-                                      <p:to>
-                                        <p:strVal val="visible"/>
-                                      </p:to>
-                                    </p:set>
-                                    <p:animEffect transition="in" filter="fade">
-                                      <p:cBhvr>
-                                        <p:cTn id="12" dur="500"/>
-                                        <p:tgtEl>
-                                          <p:spTgt spid="3">
-                                            <p:txEl>
-                                              <p:pRg st="2" end="2"/>
-                                            </p:txEl>
-                                          </p:spTgt>
-                                        </p:tgtEl>
-                                      </p:cBhvr>
-                                    </p:animEffect>
-                                  </p:childTnLst>
-                                </p:cTn>
-                              </p:par>
-                            </p:childTnLst>
-                          </p:cTn>
-                        </p:par>
-                      </p:childTnLst>
-                    </p:cTn>
-                  </p:par>
-                </p:childTnLst>
-              </p:cTn>
-              <p:prevCondLst>
-                <p:cond evt="onPrev" delay="0">
-                  <p:tgtEl>
-                    <p:sldTgt/>
-                  </p:tgtEl>
-                </p:cond>
-              </p:prevCondLst>
-              <p:nextCondLst>
-                <p:cond evt="onNext" delay="0">
-                  <p:tgtEl>
-                    <p:sldTgt/>
-                  </p:tgtEl>
-                </p:cond>
-              </p:nextCondLst>
-            </p:seq>
-          </p:childTnLst>
-        </p:cTn>
-      </p:par>
-    </p:tnLst>
-    <p:bldLst>
-      <p:bldP spid="3" grpId="0" build="p"/>
-    </p:bldLst>
-  </p:timing>
-</p:sld>
-</file>
-
-<file path=ppt/slides/slide22.xml><?xml version="1.0" encoding="utf-8"?>
-<p:sld xmlns:a="http://schemas.openxmlformats.org/drawingml/2006/main" xmlns:r="http://schemas.openxmlformats.org/officeDocument/2006/relationships" xmlns:p="http://schemas.openxmlformats.org/presentationml/2006/main">
-  <p:cSld>
-    <p:spTree>
-      <p:nvGrpSpPr>
-        <p:cNvPr id="1" name=""/>
-        <p:cNvGrpSpPr/>
-        <p:nvPr/>
-      </p:nvGrpSpPr>
-      <p:grpSpPr>
-        <a:xfrm>
-          <a:off x="0" y="0"/>
-          <a:ext cx="0" cy="0"/>
-          <a:chOff x="0" y="0"/>
-          <a:chExt cx="0" cy="0"/>
-        </a:xfrm>
-      </p:grpSpPr>
-      <p:sp>
-        <p:nvSpPr>
-          <p:cNvPr id="2" name="Titel 1">
-            <a:extLst>
-              <a:ext uri="{FF2B5EF4-FFF2-40B4-BE49-F238E27FC236}">
-                <a16:creationId xmlns:a16="http://schemas.microsoft.com/office/drawing/2014/main" id="{E78F2EF6-1B4D-D380-3B06-3D6A63E2D584}"/>
-              </a:ext>
-            </a:extLst>
-          </p:cNvPr>
-          <p:cNvSpPr>
-            <a:spLocks noGrp="1"/>
-          </p:cNvSpPr>
-          <p:nvPr>
-            <p:ph type="title"/>
-          </p:nvPr>
-        </p:nvSpPr>
-        <p:spPr/>
-        <p:txBody>
-          <a:bodyPr/>
-          <a:lstStyle/>
-          <a:p>
-            <a:r>
-              <a:rPr lang="de-AT" dirty="0"/>
-              <a:t>CSS </a:t>
-            </a:r>
-            <a:r>
-              <a:rPr lang="de-AT" dirty="0" err="1"/>
-              <a:t>Flexbox</a:t>
-            </a:r>
-            <a:r>
-              <a:rPr lang="de-AT" dirty="0"/>
-              <a:t>: </a:t>
-            </a:r>
-            <a:r>
-              <a:rPr lang="de-AT" dirty="0" err="1"/>
-              <a:t>Flexboxfroggy</a:t>
-            </a:r>
-            <a:endParaRPr lang="de-AT" dirty="0"/>
-          </a:p>
-        </p:txBody>
-      </p:sp>
-      <p:pic>
-        <p:nvPicPr>
-          <p:cNvPr id="5" name="Grafik 4">
-            <a:extLst>
-              <a:ext uri="{FF2B5EF4-FFF2-40B4-BE49-F238E27FC236}">
-                <a16:creationId xmlns:a16="http://schemas.microsoft.com/office/drawing/2014/main" id="{530B1A30-1CFA-D724-6050-7346DABFBA68}"/>
-              </a:ext>
-            </a:extLst>
-          </p:cNvPr>
-          <p:cNvPicPr>
-            <a:picLocks noChangeAspect="1"/>
-          </p:cNvPicPr>
-          <p:nvPr/>
-        </p:nvPicPr>
-        <p:blipFill>
-          <a:blip r:embed="rId2"/>
-          <a:stretch>
-            <a:fillRect/>
-          </a:stretch>
-        </p:blipFill>
-        <p:spPr>
-          <a:xfrm>
-            <a:off x="1847263" y="2214283"/>
-            <a:ext cx="8497471" cy="3314855"/>
-          </a:xfrm>
-          <a:prstGeom prst="rect">
-            <a:avLst/>
-          </a:prstGeom>
-        </p:spPr>
-      </p:pic>
-      <p:sp>
-        <p:nvSpPr>
-          <p:cNvPr id="9" name="Textfeld 8">
-            <a:extLst>
-              <a:ext uri="{FF2B5EF4-FFF2-40B4-BE49-F238E27FC236}">
-                <a16:creationId xmlns:a16="http://schemas.microsoft.com/office/drawing/2014/main" id="{55BC1B09-165A-2281-AF1A-10D3AF167AC7}"/>
-              </a:ext>
-            </a:extLst>
-          </p:cNvPr>
-          <p:cNvSpPr txBox="1"/>
-          <p:nvPr/>
-        </p:nvSpPr>
-        <p:spPr>
-          <a:xfrm>
-            <a:off x="4361329" y="5686021"/>
-            <a:ext cx="3469341" cy="369332"/>
-          </a:xfrm>
-          <a:prstGeom prst="rect">
-            <a:avLst/>
-          </a:prstGeom>
-          <a:noFill/>
-        </p:spPr>
-        <p:txBody>
-          <a:bodyPr wrap="square">
-            <a:spAutoFit/>
-          </a:bodyPr>
-          <a:lstStyle/>
-          <a:p>
-            <a:r>
-              <a:rPr lang="de-AT" dirty="0">
-                <a:hlinkClick r:id="rId3"/>
-              </a:rPr>
-              <a:t>https://flexboxfroggy.com/#de</a:t>
-            </a:r>
-            <a:r>
-              <a:rPr lang="de-AT" dirty="0"/>
-              <a:t> </a:t>
-            </a:r>
-          </a:p>
-        </p:txBody>
-      </p:sp>
-    </p:spTree>
-    <p:extLst>
-      <p:ext uri="{BB962C8B-B14F-4D97-AF65-F5344CB8AC3E}">
-        <p14:creationId xmlns:p14="http://schemas.microsoft.com/office/powerpoint/2010/main" val="2437503252"/>
-      </p:ext>
-    </p:extLst>
-  </p:cSld>
-  <p:clrMapOvr>
-    <a:masterClrMapping/>
-  </p:clrMapOvr>
-</p:sld>
-</file>
-
-<file path=ppt/slides/slide23.xml><?xml version="1.0" encoding="utf-8"?>
-<p:sld xmlns:a="http://schemas.openxmlformats.org/drawingml/2006/main" xmlns:r="http://schemas.openxmlformats.org/officeDocument/2006/relationships" xmlns:p="http://schemas.openxmlformats.org/presentationml/2006/main">
-  <p:cSld>
-    <p:spTree>
-      <p:nvGrpSpPr>
-        <p:cNvPr id="1" name=""/>
-        <p:cNvGrpSpPr/>
-        <p:nvPr/>
-      </p:nvGrpSpPr>
-      <p:grpSpPr>
-        <a:xfrm>
-          <a:off x="0" y="0"/>
-          <a:ext cx="0" cy="0"/>
-          <a:chOff x="0" y="0"/>
-          <a:chExt cx="0" cy="0"/>
-        </a:xfrm>
-      </p:grpSpPr>
-      <p:sp>
-        <p:nvSpPr>
-          <p:cNvPr id="2" name="Titel 1"/>
-          <p:cNvSpPr>
-            <a:spLocks noGrp="1"/>
-          </p:cNvSpPr>
-          <p:nvPr>
-            <p:ph type="title"/>
-          </p:nvPr>
-        </p:nvSpPr>
-        <p:spPr/>
-        <p:txBody>
-          <a:bodyPr/>
-          <a:lstStyle/>
-          <a:p>
-            <a:r>
-              <a:rPr lang="de-AT" dirty="0"/>
-              <a:t>CSS </a:t>
-            </a:r>
-            <a:r>
-              <a:rPr lang="de-AT" dirty="0" err="1"/>
-              <a:t>Grid</a:t>
-            </a:r>
-            <a:endParaRPr lang="en-US" dirty="0"/>
-          </a:p>
-        </p:txBody>
-      </p:sp>
-      <p:sp>
-        <p:nvSpPr>
-          <p:cNvPr id="3" name="Inhaltsplatzhalter 2"/>
-          <p:cNvSpPr>
-            <a:spLocks noGrp="1"/>
-          </p:cNvSpPr>
-          <p:nvPr>
-            <p:ph idx="1"/>
-          </p:nvPr>
-        </p:nvSpPr>
-        <p:spPr>
-          <a:xfrm>
-            <a:off x="855785" y="2057400"/>
-            <a:ext cx="6318738" cy="4137259"/>
-          </a:xfrm>
-        </p:spPr>
-        <p:txBody>
-          <a:bodyPr>
-            <a:normAutofit fontScale="92500"/>
-          </a:bodyPr>
-          <a:lstStyle/>
-          <a:p>
-            <a:r>
-              <a:rPr lang="de-DE" dirty="0"/>
-              <a:t>Das CSS </a:t>
-            </a:r>
-            <a:r>
-              <a:rPr lang="de-DE" dirty="0" err="1"/>
-              <a:t>Grid</a:t>
-            </a:r>
-            <a:r>
-              <a:rPr lang="de-DE" dirty="0"/>
-              <a:t> Layout-Modul bietet ein Rastersystem für das Layout, mit Zeilen und Spalten, </a:t>
-            </a:r>
-          </a:p>
-          <a:p>
-            <a:r>
-              <a:rPr lang="de-DE" dirty="0"/>
-              <a:t>Anwendung eher bei Layout-Strukturen in </a:t>
-            </a:r>
-            <a:r>
-              <a:rPr lang="de-DE" b="1" dirty="0"/>
-              <a:t>2 Dimensionen</a:t>
-            </a:r>
-            <a:r>
-              <a:rPr lang="de-DE" dirty="0"/>
-              <a:t>.</a:t>
-            </a:r>
-          </a:p>
-          <a:p>
-            <a:r>
-              <a:rPr lang="de-DE" dirty="0"/>
-              <a:t>Die Eigenschaft "</a:t>
-            </a:r>
-            <a:r>
-              <a:rPr lang="de-DE" b="1" dirty="0" err="1"/>
-              <a:t>grid</a:t>
-            </a:r>
-            <a:r>
-              <a:rPr lang="de-DE" b="1" dirty="0"/>
-              <a:t>-template-</a:t>
-            </a:r>
-            <a:r>
-              <a:rPr lang="de-DE" b="1" dirty="0" err="1"/>
-              <a:t>columns</a:t>
-            </a:r>
-            <a:r>
-              <a:rPr lang="de-DE" dirty="0"/>
-              <a:t>" definiert die Anzahl der Spalten in Ihrem Rasterlayout und kann die Breite jeder Spalte festlegen.</a:t>
-            </a:r>
-          </a:p>
-          <a:p>
-            <a:r>
-              <a:rPr lang="de-DE" dirty="0"/>
-              <a:t>Die Eigenschaft "</a:t>
-            </a:r>
-            <a:r>
-              <a:rPr lang="de-DE" b="1" dirty="0" err="1"/>
-              <a:t>grid</a:t>
-            </a:r>
-            <a:r>
-              <a:rPr lang="de-DE" b="1" dirty="0"/>
-              <a:t>-template-</a:t>
-            </a:r>
-            <a:r>
-              <a:rPr lang="de-DE" b="1" dirty="0" err="1"/>
-              <a:t>rows</a:t>
-            </a:r>
-            <a:r>
-              <a:rPr lang="de-DE" dirty="0"/>
-              <a:t>" definiert die Höhe jeder Zeile.</a:t>
-            </a:r>
-          </a:p>
-          <a:p>
-            <a:r>
-              <a:rPr lang="de-DE" dirty="0"/>
-              <a:t>Mit der Eigenschaft „</a:t>
-            </a:r>
-            <a:r>
-              <a:rPr lang="de-DE" b="1" dirty="0" err="1"/>
-              <a:t>gap</a:t>
-            </a:r>
-            <a:r>
-              <a:rPr lang="de-DE" dirty="0"/>
-              <a:t>“ wird der Abstand zwischen Zeilen und Spalten definiert (erster Wert = Zeile, zweiter Wert = Spalte)</a:t>
-            </a:r>
-          </a:p>
-          <a:p>
-            <a:endParaRPr lang="de-DE" dirty="0"/>
-          </a:p>
-          <a:p>
-            <a:endParaRPr lang="en-US" dirty="0"/>
-          </a:p>
-        </p:txBody>
-      </p:sp>
-      <p:pic>
-        <p:nvPicPr>
-          <p:cNvPr id="4" name="Grafik 3"/>
-          <p:cNvPicPr>
-            <a:picLocks noChangeAspect="1"/>
-          </p:cNvPicPr>
-          <p:nvPr/>
-        </p:nvPicPr>
-        <p:blipFill>
-          <a:blip r:embed="rId2"/>
-          <a:stretch>
-            <a:fillRect/>
-          </a:stretch>
-        </p:blipFill>
-        <p:spPr>
-          <a:xfrm>
-            <a:off x="7306801" y="1685046"/>
-            <a:ext cx="4029414" cy="2894852"/>
-          </a:xfrm>
-          <a:prstGeom prst="rect">
-            <a:avLst/>
-          </a:prstGeom>
-        </p:spPr>
-      </p:pic>
-      <p:pic>
-        <p:nvPicPr>
-          <p:cNvPr id="5" name="Grafik 4"/>
-          <p:cNvPicPr>
-            <a:picLocks noChangeAspect="1"/>
-          </p:cNvPicPr>
-          <p:nvPr/>
-        </p:nvPicPr>
-        <p:blipFill>
-          <a:blip r:embed="rId3"/>
-          <a:stretch>
-            <a:fillRect/>
-          </a:stretch>
-        </p:blipFill>
-        <p:spPr>
-          <a:xfrm>
-            <a:off x="7306801" y="4699508"/>
-            <a:ext cx="4236736" cy="2020527"/>
-          </a:xfrm>
-          <a:prstGeom prst="rect">
-            <a:avLst/>
-          </a:prstGeom>
-        </p:spPr>
-      </p:pic>
-    </p:spTree>
-    <p:extLst>
-      <p:ext uri="{BB962C8B-B14F-4D97-AF65-F5344CB8AC3E}">
-        <p14:creationId xmlns:p14="http://schemas.microsoft.com/office/powerpoint/2010/main" val="1808474136"/>
-      </p:ext>
-    </p:extLst>
-  </p:cSld>
-  <p:clrMapOvr>
-    <a:masterClrMapping/>
-  </p:clrMapOvr>
-  <p:timing>
-    <p:tnLst>
-      <p:par>
-        <p:cTn id="1" dur="indefinite" restart="never" nodeType="tmRoot">
-          <p:childTnLst>
-            <p:seq concurrent="1" nextAc="seek">
-              <p:cTn id="2" dur="indefinite" nodeType="mainSeq">
-                <p:childTnLst>
-                  <p:par>
-                    <p:cTn id="3" fill="hold">
-                      <p:stCondLst>
-                        <p:cond delay="indefinite"/>
-                      </p:stCondLst>
-                      <p:childTnLst>
-                        <p:par>
-                          <p:cTn id="4" fill="hold">
-                            <p:stCondLst>
-                              <p:cond delay="0"/>
-                            </p:stCondLst>
-                            <p:childTnLst>
-                              <p:par>
-                                <p:cTn id="5" presetID="10" presetClass="entr" presetSubtype="0" fill="hold" grpId="0" nodeType="clickEffect">
-                                  <p:stCondLst>
-                                    <p:cond delay="0"/>
-                                  </p:stCondLst>
-                                  <p:childTnLst>
-                                    <p:set>
-                                      <p:cBhvr>
-                                        <p:cTn id="6" dur="1" fill="hold">
-                                          <p:stCondLst>
-                                            <p:cond delay="0"/>
-                                          </p:stCondLst>
-                                        </p:cTn>
-                                        <p:tgtEl>
-                                          <p:spTgt spid="3">
-                                            <p:txEl>
-                                              <p:pRg st="0" end="0"/>
-                                            </p:txEl>
-                                          </p:spTgt>
-                                        </p:tgtEl>
-                                        <p:attrNameLst>
-                                          <p:attrName>style.visibility</p:attrName>
-                                        </p:attrNameLst>
-                                      </p:cBhvr>
-                                      <p:to>
-                                        <p:strVal val="visible"/>
-                                      </p:to>
-                                    </p:set>
-                                    <p:animEffect transition="in" filter="fade">
-                                      <p:cBhvr>
-                                        <p:cTn id="7" dur="500"/>
-                                        <p:tgtEl>
-                                          <p:spTgt spid="3">
-                                            <p:txEl>
-                                              <p:pRg st="0" end="0"/>
-                                            </p:txEl>
-                                          </p:spTgt>
-                                        </p:tgtEl>
-                                      </p:cBhvr>
-                                    </p:animEffect>
-                                  </p:childTnLst>
-                                </p:cTn>
-                              </p:par>
-                            </p:childTnLst>
-                          </p:cTn>
-                        </p:par>
-                      </p:childTnLst>
-                    </p:cTn>
-                  </p:par>
-                  <p:par>
-                    <p:cTn id="8" fill="hold">
-                      <p:stCondLst>
-                        <p:cond delay="indefinite"/>
-                      </p:stCondLst>
-                      <p:childTnLst>
-                        <p:par>
-                          <p:cTn id="9" fill="hold">
-                            <p:stCondLst>
-                              <p:cond delay="0"/>
-                            </p:stCondLst>
-                            <p:childTnLst>
-                              <p:par>
-                                <p:cTn id="10" presetID="10" presetClass="entr" presetSubtype="0" fill="hold" grpId="0" nodeType="clickEffect">
-                                  <p:stCondLst>
-                                    <p:cond delay="0"/>
-                                  </p:stCondLst>
-                                  <p:childTnLst>
-                                    <p:set>
-                                      <p:cBhvr>
-                                        <p:cTn id="11" dur="1" fill="hold">
-                                          <p:stCondLst>
-                                            <p:cond delay="0"/>
-                                          </p:stCondLst>
-                                        </p:cTn>
-                                        <p:tgtEl>
-                                          <p:spTgt spid="3">
-                                            <p:txEl>
-                                              <p:pRg st="1" end="1"/>
-                                            </p:txEl>
-                                          </p:spTgt>
-                                        </p:tgtEl>
-                                        <p:attrNameLst>
-                                          <p:attrName>style.visibility</p:attrName>
-                                        </p:attrNameLst>
-                                      </p:cBhvr>
-                                      <p:to>
-                                        <p:strVal val="visible"/>
-                                      </p:to>
-                                    </p:set>
-                                    <p:animEffect transition="in" filter="fade">
-                                      <p:cBhvr>
-                                        <p:cTn id="12" dur="500"/>
-                                        <p:tgtEl>
-                                          <p:spTgt spid="3">
-                                            <p:txEl>
-                                              <p:pRg st="1" end="1"/>
-                                            </p:txEl>
-                                          </p:spTgt>
-                                        </p:tgtEl>
-                                      </p:cBhvr>
-                                    </p:animEffect>
-                                  </p:childTnLst>
-                                </p:cTn>
-                              </p:par>
-                            </p:childTnLst>
-                          </p:cTn>
-                        </p:par>
-                      </p:childTnLst>
-                    </p:cTn>
-                  </p:par>
-                  <p:par>
-                    <p:cTn id="13" fill="hold">
-                      <p:stCondLst>
-                        <p:cond delay="indefinite"/>
-                      </p:stCondLst>
-                      <p:childTnLst>
-                        <p:par>
-                          <p:cTn id="14" fill="hold">
-                            <p:stCondLst>
-                              <p:cond delay="0"/>
-                            </p:stCondLst>
-                            <p:childTnLst>
-                              <p:par>
-                                <p:cTn id="15" presetID="10" presetClass="entr" presetSubtype="0" fill="hold" grpId="0" nodeType="clickEffect">
-                                  <p:stCondLst>
-                                    <p:cond delay="0"/>
-                                  </p:stCondLst>
-                                  <p:childTnLst>
-                                    <p:set>
-                                      <p:cBhvr>
-                                        <p:cTn id="16" dur="1" fill="hold">
-                                          <p:stCondLst>
-                                            <p:cond delay="0"/>
-                                          </p:stCondLst>
-                                        </p:cTn>
-                                        <p:tgtEl>
-                                          <p:spTgt spid="3">
-                                            <p:txEl>
-                                              <p:pRg st="2" end="2"/>
-                                            </p:txEl>
-                                          </p:spTgt>
-                                        </p:tgtEl>
-                                        <p:attrNameLst>
-                                          <p:attrName>style.visibility</p:attrName>
-                                        </p:attrNameLst>
-                                      </p:cBhvr>
-                                      <p:to>
-                                        <p:strVal val="visible"/>
-                                      </p:to>
-                                    </p:set>
-                                    <p:animEffect transition="in" filter="fade">
-                                      <p:cBhvr>
-                                        <p:cTn id="17" dur="500"/>
-                                        <p:tgtEl>
-                                          <p:spTgt spid="3">
-                                            <p:txEl>
-                                              <p:pRg st="2" end="2"/>
-                                            </p:txEl>
-                                          </p:spTgt>
-                                        </p:tgtEl>
-                                      </p:cBhvr>
-                                    </p:animEffect>
-                                  </p:childTnLst>
-                                </p:cTn>
-                              </p:par>
-                            </p:childTnLst>
-                          </p:cTn>
-                        </p:par>
-                      </p:childTnLst>
-                    </p:cTn>
-                  </p:par>
-                  <p:par>
-                    <p:cTn id="18" fill="hold">
-                      <p:stCondLst>
-                        <p:cond delay="indefinite"/>
-                      </p:stCondLst>
-                      <p:childTnLst>
-                        <p:par>
-                          <p:cTn id="19" fill="hold">
-                            <p:stCondLst>
-                              <p:cond delay="0"/>
-                            </p:stCondLst>
-                            <p:childTnLst>
-                              <p:par>
-                                <p:cTn id="20" presetID="10" presetClass="entr" presetSubtype="0" fill="hold" grpId="0" nodeType="clickEffect">
-                                  <p:stCondLst>
-                                    <p:cond delay="0"/>
-                                  </p:stCondLst>
-                                  <p:childTnLst>
-                                    <p:set>
-                                      <p:cBhvr>
-                                        <p:cTn id="21" dur="1" fill="hold">
-                                          <p:stCondLst>
-                                            <p:cond delay="0"/>
-                                          </p:stCondLst>
-                                        </p:cTn>
-                                        <p:tgtEl>
-                                          <p:spTgt spid="3">
-                                            <p:txEl>
-                                              <p:pRg st="3" end="3"/>
-                                            </p:txEl>
-                                          </p:spTgt>
-                                        </p:tgtEl>
-                                        <p:attrNameLst>
-                                          <p:attrName>style.visibility</p:attrName>
-                                        </p:attrNameLst>
-                                      </p:cBhvr>
-                                      <p:to>
-                                        <p:strVal val="visible"/>
-                                      </p:to>
-                                    </p:set>
-                                    <p:animEffect transition="in" filter="fade">
-                                      <p:cBhvr>
-                                        <p:cTn id="22" dur="500"/>
-                                        <p:tgtEl>
-                                          <p:spTgt spid="3">
-                                            <p:txEl>
-                                              <p:pRg st="3" end="3"/>
-                                            </p:txEl>
-                                          </p:spTgt>
-                                        </p:tgtEl>
-                                      </p:cBhvr>
-                                    </p:animEffect>
-                                  </p:childTnLst>
-                                </p:cTn>
-                              </p:par>
-                            </p:childTnLst>
-                          </p:cTn>
-                        </p:par>
-                      </p:childTnLst>
-                    </p:cTn>
-                  </p:par>
-                  <p:par>
-                    <p:cTn id="23" fill="hold">
-                      <p:stCondLst>
-                        <p:cond delay="indefinite"/>
-                      </p:stCondLst>
-                      <p:childTnLst>
-                        <p:par>
-                          <p:cTn id="24" fill="hold">
-                            <p:stCondLst>
-                              <p:cond delay="0"/>
-                            </p:stCondLst>
-                            <p:childTnLst>
-                              <p:par>
-                                <p:cTn id="25" presetID="10" presetClass="entr" presetSubtype="0" fill="hold" grpId="0" nodeType="clickEffect">
-                                  <p:stCondLst>
-                                    <p:cond delay="0"/>
-                                  </p:stCondLst>
-                                  <p:childTnLst>
-                                    <p:set>
-                                      <p:cBhvr>
-                                        <p:cTn id="26" dur="1" fill="hold">
-                                          <p:stCondLst>
-                                            <p:cond delay="0"/>
-                                          </p:stCondLst>
-                                        </p:cTn>
-                                        <p:tgtEl>
-                                          <p:spTgt spid="3">
-                                            <p:txEl>
-                                              <p:pRg st="4" end="4"/>
-                                            </p:txEl>
-                                          </p:spTgt>
-                                        </p:tgtEl>
-                                        <p:attrNameLst>
-                                          <p:attrName>style.visibility</p:attrName>
-                                        </p:attrNameLst>
-                                      </p:cBhvr>
-                                      <p:to>
-                                        <p:strVal val="visible"/>
-                                      </p:to>
-                                    </p:set>
-                                    <p:animEffect transition="in" filter="fade">
-                                      <p:cBhvr>
-                                        <p:cTn id="27" dur="500"/>
-                                        <p:tgtEl>
-                                          <p:spTgt spid="3">
-                                            <p:txEl>
-                                              <p:pRg st="4" end="4"/>
-                                            </p:txEl>
-                                          </p:spTgt>
-                                        </p:tgtEl>
-                                      </p:cBhvr>
-                                    </p:animEffect>
-                                  </p:childTnLst>
-                                </p:cTn>
-                              </p:par>
-                            </p:childTnLst>
-                          </p:cTn>
-                        </p:par>
-                      </p:childTnLst>
-                    </p:cTn>
-                  </p:par>
-                </p:childTnLst>
-              </p:cTn>
-              <p:prevCondLst>
-                <p:cond evt="onPrev" delay="0">
-                  <p:tgtEl>
-                    <p:sldTgt/>
-                  </p:tgtEl>
-                </p:cond>
-              </p:prevCondLst>
-              <p:nextCondLst>
-                <p:cond evt="onNext" delay="0">
-                  <p:tgtEl>
-                    <p:sldTgt/>
-                  </p:tgtEl>
-                </p:cond>
-              </p:nextCondLst>
-            </p:seq>
-          </p:childTnLst>
-        </p:cTn>
-      </p:par>
-    </p:tnLst>
-    <p:bldLst>
-      <p:bldP spid="3" grpId="0" build="p"/>
-    </p:bldLst>
-  </p:timing>
-</p:sld>
-</file>
-
-<file path=ppt/slides/slide24.xml><?xml version="1.0" encoding="utf-8"?>
 <p:sld xmlns:a="http://schemas.openxmlformats.org/drawingml/2006/main" xmlns:r="http://schemas.openxmlformats.org/officeDocument/2006/relationships" xmlns:p="http://schemas.openxmlformats.org/presentationml/2006/main">
   <p:cSld>
     <p:spTree>
@@ -11074,7 +7536,7 @@
 </p:sld>
 </file>
 
-<file path=ppt/slides/slide25.xml><?xml version="1.0" encoding="utf-8"?>
+<file path=ppt/slides/slide17.xml><?xml version="1.0" encoding="utf-8"?>
 <p:sld xmlns:a="http://schemas.openxmlformats.org/drawingml/2006/main" xmlns:r="http://schemas.openxmlformats.org/officeDocument/2006/relationships" xmlns:p="http://schemas.openxmlformats.org/presentationml/2006/main">
   <p:cSld>
     <p:spTree>
@@ -11714,7 +8176,7 @@
 </p:sld>
 </file>
 
-<file path=ppt/slides/slide26.xml><?xml version="1.0" encoding="utf-8"?>
+<file path=ppt/slides/slide18.xml><?xml version="1.0" encoding="utf-8"?>
 <p:sld xmlns:a="http://schemas.openxmlformats.org/drawingml/2006/main" xmlns:r="http://schemas.openxmlformats.org/officeDocument/2006/relationships" xmlns:p="http://schemas.openxmlformats.org/presentationml/2006/main">
   <p:cSld>
     <p:spTree>
@@ -12060,7 +8522,7 @@
 </p:sld>
 </file>
 
-<file path=ppt/slides/slide27.xml><?xml version="1.0" encoding="utf-8"?>
+<file path=ppt/slides/slide19.xml><?xml version="1.0" encoding="utf-8"?>
 <p:sld xmlns:a="http://schemas.openxmlformats.org/drawingml/2006/main" xmlns:r="http://schemas.openxmlformats.org/officeDocument/2006/relationships" xmlns:p="http://schemas.openxmlformats.org/presentationml/2006/main">
   <p:cSld>
     <p:spTree>
@@ -12406,7 +8868,238 @@
 </p:sld>
 </file>
 
-<file path=ppt/slides/slide28.xml><?xml version="1.0" encoding="utf-8"?>
+<file path=ppt/slides/slide2.xml><?xml version="1.0" encoding="utf-8"?>
+<p:sld xmlns:a="http://schemas.openxmlformats.org/drawingml/2006/main" xmlns:r="http://schemas.openxmlformats.org/officeDocument/2006/relationships" xmlns:p="http://schemas.openxmlformats.org/presentationml/2006/main">
+  <p:cSld>
+    <p:spTree>
+      <p:nvGrpSpPr>
+        <p:cNvPr id="1" name=""/>
+        <p:cNvGrpSpPr/>
+        <p:nvPr/>
+      </p:nvGrpSpPr>
+      <p:grpSpPr>
+        <a:xfrm>
+          <a:off x="0" y="0"/>
+          <a:ext cx="0" cy="0"/>
+          <a:chOff x="0" y="0"/>
+          <a:chExt cx="0" cy="0"/>
+        </a:xfrm>
+      </p:grpSpPr>
+      <p:sp>
+        <p:nvSpPr>
+          <p:cNvPr id="2" name="Titel 1"/>
+          <p:cNvSpPr>
+            <a:spLocks noGrp="1"/>
+          </p:cNvSpPr>
+          <p:nvPr>
+            <p:ph type="title"/>
+          </p:nvPr>
+        </p:nvSpPr>
+        <p:spPr/>
+        <p:txBody>
+          <a:bodyPr/>
+          <a:lstStyle/>
+          <a:p>
+            <a:r>
+              <a:rPr lang="de-AT" dirty="0"/>
+              <a:t>CSS </a:t>
+            </a:r>
+            <a:r>
+              <a:rPr lang="de-AT" dirty="0" err="1"/>
+              <a:t>Flexbox</a:t>
+            </a:r>
+            <a:r>
+              <a:rPr lang="de-AT" dirty="0"/>
+              <a:t> </a:t>
+            </a:r>
+            <a:r>
+              <a:rPr lang="de-AT" dirty="0" err="1"/>
+              <a:t>vs</a:t>
+            </a:r>
+            <a:r>
+              <a:rPr lang="de-AT" dirty="0"/>
+              <a:t> </a:t>
+            </a:r>
+            <a:r>
+              <a:rPr lang="de-AT" dirty="0" err="1"/>
+              <a:t>other</a:t>
+            </a:r>
+            <a:r>
+              <a:rPr lang="de-AT" dirty="0"/>
+              <a:t> Layouts</a:t>
+            </a:r>
+            <a:endParaRPr lang="en-US" dirty="0"/>
+          </a:p>
+        </p:txBody>
+      </p:sp>
+      <p:sp>
+        <p:nvSpPr>
+          <p:cNvPr id="3" name="Inhaltsplatzhalter 2"/>
+          <p:cNvSpPr>
+            <a:spLocks noGrp="1"/>
+          </p:cNvSpPr>
+          <p:nvPr>
+            <p:ph idx="1"/>
+          </p:nvPr>
+        </p:nvSpPr>
+        <p:spPr>
+          <a:xfrm>
+            <a:off x="1181100" y="1869653"/>
+            <a:ext cx="5729969" cy="4988347"/>
+          </a:xfrm>
+        </p:spPr>
+        <p:txBody>
+          <a:bodyPr>
+            <a:normAutofit/>
+          </a:bodyPr>
+          <a:lstStyle/>
+          <a:p>
+            <a:r>
+              <a:rPr lang="de-DE" dirty="0"/>
+              <a:t>Ressource: 3.CSS/Codebeispiele/Layout/</a:t>
+            </a:r>
+            <a:endParaRPr lang="en-US" dirty="0"/>
+          </a:p>
+        </p:txBody>
+      </p:sp>
+      <p:pic>
+        <p:nvPicPr>
+          <p:cNvPr id="5" name="Grafik 4">
+            <a:extLst>
+              <a:ext uri="{FF2B5EF4-FFF2-40B4-BE49-F238E27FC236}">
+                <a16:creationId xmlns:a16="http://schemas.microsoft.com/office/drawing/2014/main" id="{F9EDBB7D-5B47-58A4-77DE-954353DDB123}"/>
+              </a:ext>
+            </a:extLst>
+          </p:cNvPr>
+          <p:cNvPicPr>
+            <a:picLocks noChangeAspect="1"/>
+          </p:cNvPicPr>
+          <p:nvPr/>
+        </p:nvPicPr>
+        <p:blipFill>
+          <a:blip r:embed="rId2"/>
+          <a:stretch>
+            <a:fillRect/>
+          </a:stretch>
+        </p:blipFill>
+        <p:spPr>
+          <a:xfrm>
+            <a:off x="1411811" y="2667370"/>
+            <a:ext cx="9888330" cy="2724530"/>
+          </a:xfrm>
+          <a:prstGeom prst="rect">
+            <a:avLst/>
+          </a:prstGeom>
+        </p:spPr>
+      </p:pic>
+    </p:spTree>
+    <p:extLst>
+      <p:ext uri="{BB962C8B-B14F-4D97-AF65-F5344CB8AC3E}">
+        <p14:creationId xmlns:p14="http://schemas.microsoft.com/office/powerpoint/2010/main" val="3282855946"/>
+      </p:ext>
+    </p:extLst>
+  </p:cSld>
+  <p:clrMapOvr>
+    <a:masterClrMapping/>
+  </p:clrMapOvr>
+  <p:timing>
+    <p:tnLst>
+      <p:par>
+        <p:cTn id="1" dur="indefinite" restart="never" nodeType="tmRoot">
+          <p:childTnLst>
+            <p:seq concurrent="1" nextAc="seek">
+              <p:cTn id="2" dur="indefinite" nodeType="mainSeq">
+                <p:childTnLst>
+                  <p:par>
+                    <p:cTn id="3" fill="hold">
+                      <p:stCondLst>
+                        <p:cond delay="indefinite"/>
+                      </p:stCondLst>
+                      <p:childTnLst>
+                        <p:par>
+                          <p:cTn id="4" fill="hold">
+                            <p:stCondLst>
+                              <p:cond delay="0"/>
+                            </p:stCondLst>
+                            <p:childTnLst>
+                              <p:par>
+                                <p:cTn id="5" presetID="10" presetClass="entr" presetSubtype="0" fill="hold" grpId="0" nodeType="clickEffect">
+                                  <p:stCondLst>
+                                    <p:cond delay="0"/>
+                                  </p:stCondLst>
+                                  <p:childTnLst>
+                                    <p:set>
+                                      <p:cBhvr>
+                                        <p:cTn id="6" dur="1" fill="hold">
+                                          <p:stCondLst>
+                                            <p:cond delay="0"/>
+                                          </p:stCondLst>
+                                        </p:cTn>
+                                        <p:tgtEl>
+                                          <p:spTgt spid="3">
+                                            <p:txEl>
+                                              <p:pRg st="0" end="0"/>
+                                            </p:txEl>
+                                          </p:spTgt>
+                                        </p:tgtEl>
+                                        <p:attrNameLst>
+                                          <p:attrName>style.visibility</p:attrName>
+                                        </p:attrNameLst>
+                                      </p:cBhvr>
+                                      <p:to>
+                                        <p:strVal val="visible"/>
+                                      </p:to>
+                                    </p:set>
+                                    <p:animEffect transition="in" filter="fade">
+                                      <p:cBhvr>
+                                        <p:cTn id="7" dur="500"/>
+                                        <p:tgtEl>
+                                          <p:spTgt spid="3">
+                                            <p:txEl>
+                                              <p:pRg st="0" end="0"/>
+                                            </p:txEl>
+                                          </p:spTgt>
+                                        </p:tgtEl>
+                                      </p:cBhvr>
+                                    </p:animEffect>
+                                  </p:childTnLst>
+                                </p:cTn>
+                              </p:par>
+                            </p:childTnLst>
+                          </p:cTn>
+                        </p:par>
+                      </p:childTnLst>
+                    </p:cTn>
+                  </p:par>
+                </p:childTnLst>
+              </p:cTn>
+              <p:prevCondLst>
+                <p:cond evt="onPrev" delay="0">
+                  <p:tgtEl>
+                    <p:sldTgt/>
+                  </p:tgtEl>
+                </p:cond>
+              </p:prevCondLst>
+              <p:nextCondLst>
+                <p:cond evt="onNext" delay="0">
+                  <p:tgtEl>
+                    <p:sldTgt/>
+                  </p:tgtEl>
+                </p:cond>
+              </p:nextCondLst>
+            </p:seq>
+          </p:childTnLst>
+        </p:cTn>
+      </p:par>
+    </p:tnLst>
+    <p:bldLst>
+      <p:bldP spid="3" grpId="0" build="p"/>
+    </p:bldLst>
+  </p:timing>
+</p:sld>
+</file>
+
+<file path=ppt/slides/slide20.xml><?xml version="1.0" encoding="utf-8"?>
 <p:sld xmlns:a="http://schemas.openxmlformats.org/drawingml/2006/main" xmlns:r="http://schemas.openxmlformats.org/officeDocument/2006/relationships" xmlns:p="http://schemas.openxmlformats.org/presentationml/2006/main">
   <p:cSld>
     <p:spTree>
@@ -12908,7 +9601,7 @@
 </p:sld>
 </file>
 
-<file path=ppt/slides/slide29.xml><?xml version="1.0" encoding="utf-8"?>
+<file path=ppt/slides/slide21.xml><?xml version="1.0" encoding="utf-8"?>
 <p:sld xmlns:a="http://schemas.openxmlformats.org/drawingml/2006/main" xmlns:r="http://schemas.openxmlformats.org/officeDocument/2006/relationships" xmlns:p="http://schemas.openxmlformats.org/presentationml/2006/main">
   <p:cSld>
     <p:spTree>

--- a/4. Flexbox&Grid/Flexbox&Grid.pptx
+++ b/4. Flexbox&Grid/Flexbox&Grid.pptx
@@ -3501,7 +3501,7 @@
                 <a16:creationId xmlns:a16="http://schemas.microsoft.com/office/drawing/2014/main" id="{BE229233-9672-4675-99B7-6CBCEF1CD415}"/>
               </a:ext>
               <a:ext uri="{C183D7F6-B498-43B3-948B-1728B52AA6E4}">
-                <adec:decorative xmlns:adec="http://schemas.microsoft.com/office/drawing/2017/decorative" xmlns="" val="1"/>
+                <adec:decorative xmlns="" xmlns:adec="http://schemas.microsoft.com/office/drawing/2017/decorative" val="1"/>
               </a:ext>
             </a:extLst>
           </p:cNvPr>
@@ -3596,7 +3596,7 @@
                 <a16:creationId xmlns:a16="http://schemas.microsoft.com/office/drawing/2014/main" id="{EC5FF010-B53C-46BE-BEEF-AF926A00F67F}"/>
               </a:ext>
               <a:ext uri="{C183D7F6-B498-43B3-948B-1728B52AA6E4}">
-                <adec:decorative xmlns:adec="http://schemas.microsoft.com/office/drawing/2017/decorative" xmlns="" val="1"/>
+                <adec:decorative xmlns="" xmlns:adec="http://schemas.microsoft.com/office/drawing/2017/decorative" val="1"/>
               </a:ext>
             </a:extLst>
           </p:cNvPr>
@@ -3662,7 +3662,7 @@
                 <a16:creationId xmlns:a16="http://schemas.microsoft.com/office/drawing/2014/main" id="{8509AD9C-1F43-4138-A72B-8CA988EDD475}"/>
               </a:ext>
               <a:ext uri="{C183D7F6-B498-43B3-948B-1728B52AA6E4}">
-                <adec:decorative xmlns:adec="http://schemas.microsoft.com/office/drawing/2017/decorative" xmlns="" val="1"/>
+                <adec:decorative xmlns="" xmlns:adec="http://schemas.microsoft.com/office/drawing/2017/decorative" val="1"/>
               </a:ext>
             </a:extLst>
           </p:cNvPr>
@@ -13984,12 +13984,12 @@
               <a:t>Flexbox</a:t>
             </a:r>
             <a:r>
-              <a:rPr lang="de-AT" dirty="0"/>
+              <a:rPr lang="de-AT"/>
               <a:t> </a:t>
             </a:r>
             <a:r>
-              <a:rPr lang="de-AT" dirty="0" err="1"/>
-              <a:t>Miniübuung</a:t>
+              <a:rPr lang="de-AT" smtClean="0"/>
+              <a:t>Miniübung</a:t>
             </a:r>
             <a:r>
               <a:rPr lang="de-AT" dirty="0"/>
